--- a/8vance.pptx
+++ b/8vance.pptx
@@ -7,6 +7,9 @@
   <p:sldIdLst>
     <p:sldId id="256" r:id="rId2"/>
     <p:sldId id="257" r:id="rId3"/>
+    <p:sldId id="258" r:id="rId4"/>
+    <p:sldId id="260" r:id="rId5"/>
+    <p:sldId id="259" r:id="rId6"/>
   </p:sldIdLst>
   <p:sldSz cx="12192000" cy="6858000"/>
   <p:notesSz cx="6858000" cy="9144000"/>
@@ -105,7 +108,16 @@
       </a:defRPr>
     </a:lvl9pPr>
   </p:defaultTextStyle>
+  <p:extLst>
+    <p:ext uri="{EFAFB233-063F-42B5-8137-9DF3F51BA10A}">
+      <p15:sldGuideLst xmlns:p15="http://schemas.microsoft.com/office/powerpoint/2012/main"/>
+    </p:ext>
+  </p:extLst>
 </p:presentation>
+</file>
+
+<file path=ppt/revisionInfo.xml><?xml version="1.0" encoding="utf-8"?>
+<p1510:revInfo xmlns:a="http://schemas.openxmlformats.org/drawingml/2006/main" xmlns:r="http://schemas.openxmlformats.org/officeDocument/2006/relationships" xmlns:p1510="http://schemas.microsoft.com/office/powerpoint/2015/10/main"/>
 </file>
 
 <file path=ppt/slideLayouts/slideLayout1.xml><?xml version="1.0" encoding="utf-8"?>
@@ -3378,6 +3390,42 @@
           </a:p>
         </p:txBody>
       </p:sp>
+      <p:pic>
+        <p:nvPicPr>
+          <p:cNvPr id="5" name="Grafik 4">
+            <a:extLst>
+              <a:ext uri="{FF2B5EF4-FFF2-40B4-BE49-F238E27FC236}">
+                <a16:creationId xmlns:a16="http://schemas.microsoft.com/office/drawing/2014/main" id="{5441B949-4E3C-4E94-8420-FC02E6D8BA15}"/>
+              </a:ext>
+            </a:extLst>
+          </p:cNvPr>
+          <p:cNvPicPr>
+            <a:picLocks noChangeAspect="1"/>
+          </p:cNvPicPr>
+          <p:nvPr/>
+        </p:nvPicPr>
+        <p:blipFill>
+          <a:blip r:embed="rId2">
+            <a:extLst>
+              <a:ext uri="{28A0092B-C50C-407E-A947-70E740481C1C}">
+                <a14:useLocalDpi xmlns:a14="http://schemas.microsoft.com/office/drawing/2010/main" val="0"/>
+              </a:ext>
+            </a:extLst>
+          </a:blip>
+          <a:stretch>
+            <a:fillRect/>
+          </a:stretch>
+        </p:blipFill>
+        <p:spPr>
+          <a:xfrm>
+            <a:off x="9337040" y="228600"/>
+            <a:ext cx="2854960" cy="2854960"/>
+          </a:xfrm>
+          <a:prstGeom prst="rect">
+            <a:avLst/>
+          </a:prstGeom>
+        </p:spPr>
+      </p:pic>
     </p:spTree>
     <p:extLst>
       <p:ext uri="{BB962C8B-B14F-4D97-AF65-F5344CB8AC3E}">
@@ -3497,6 +3545,1047 @@
     <p:extLst>
       <p:ext uri="{BB962C8B-B14F-4D97-AF65-F5344CB8AC3E}">
         <p14:creationId xmlns:p14="http://schemas.microsoft.com/office/powerpoint/2010/main" val="1231511219"/>
+      </p:ext>
+    </p:extLst>
+  </p:cSld>
+  <p:clrMapOvr>
+    <a:masterClrMapping/>
+  </p:clrMapOvr>
+</p:sld>
+</file>
+
+<file path=ppt/slides/slide3.xml><?xml version="1.0" encoding="utf-8"?>
+<p:sld xmlns:a="http://schemas.openxmlformats.org/drawingml/2006/main" xmlns:r="http://schemas.openxmlformats.org/officeDocument/2006/relationships" xmlns:p="http://schemas.openxmlformats.org/presentationml/2006/main">
+  <p:cSld>
+    <p:spTree>
+      <p:nvGrpSpPr>
+        <p:cNvPr id="1" name=""/>
+        <p:cNvGrpSpPr/>
+        <p:nvPr/>
+      </p:nvGrpSpPr>
+      <p:grpSpPr>
+        <a:xfrm>
+          <a:off x="0" y="0"/>
+          <a:ext cx="0" cy="0"/>
+          <a:chOff x="0" y="0"/>
+          <a:chExt cx="0" cy="0"/>
+        </a:xfrm>
+      </p:grpSpPr>
+      <p:sp>
+        <p:nvSpPr>
+          <p:cNvPr id="2" name="Titel 1">
+            <a:extLst>
+              <a:ext uri="{FF2B5EF4-FFF2-40B4-BE49-F238E27FC236}">
+                <a16:creationId xmlns:a16="http://schemas.microsoft.com/office/drawing/2014/main" id="{24D8D968-9D2B-417F-9A67-7939B9F44659}"/>
+              </a:ext>
+            </a:extLst>
+          </p:cNvPr>
+          <p:cNvSpPr>
+            <a:spLocks noGrp="1"/>
+          </p:cNvSpPr>
+          <p:nvPr>
+            <p:ph type="title"/>
+          </p:nvPr>
+        </p:nvSpPr>
+        <p:spPr/>
+        <p:txBody>
+          <a:bodyPr/>
+          <a:lstStyle/>
+          <a:p>
+            <a:r>
+              <a:rPr lang="de-DE" dirty="0"/>
+              <a:t>Daten und Fakten</a:t>
+            </a:r>
+          </a:p>
+        </p:txBody>
+      </p:sp>
+      <p:sp>
+        <p:nvSpPr>
+          <p:cNvPr id="3" name="Inhaltsplatzhalter 2">
+            <a:extLst>
+              <a:ext uri="{FF2B5EF4-FFF2-40B4-BE49-F238E27FC236}">
+                <a16:creationId xmlns:a16="http://schemas.microsoft.com/office/drawing/2014/main" id="{9FDEE3E3-AC19-4801-A930-1C2FE0B5C5FB}"/>
+              </a:ext>
+            </a:extLst>
+          </p:cNvPr>
+          <p:cNvSpPr>
+            <a:spLocks noGrp="1"/>
+          </p:cNvSpPr>
+          <p:nvPr>
+            <p:ph idx="1"/>
+          </p:nvPr>
+        </p:nvSpPr>
+        <p:spPr/>
+        <p:txBody>
+          <a:bodyPr/>
+          <a:lstStyle/>
+          <a:p>
+            <a:r>
+              <a:rPr lang="de-DE" dirty="0"/>
+              <a:t>deutsch-niederländisches Startup</a:t>
+            </a:r>
+          </a:p>
+          <a:p>
+            <a:r>
+              <a:rPr lang="de-DE" dirty="0"/>
+              <a:t>Gegründet 2012</a:t>
+            </a:r>
+          </a:p>
+          <a:p>
+            <a:r>
+              <a:rPr lang="de-DE" dirty="0"/>
+              <a:t>Ansässig in den Niederlanden</a:t>
+            </a:r>
+          </a:p>
+          <a:p>
+            <a:r>
+              <a:rPr lang="de-DE" dirty="0"/>
+              <a:t>CEO: Han Stoffels</a:t>
+            </a:r>
+          </a:p>
+          <a:p>
+            <a:r>
+              <a:rPr lang="de-DE" dirty="0"/>
+              <a:t>Beschäftigte: 11 – 50</a:t>
+            </a:r>
+          </a:p>
+          <a:p>
+            <a:endParaRPr lang="de-DE" dirty="0"/>
+          </a:p>
+          <a:p>
+            <a:r>
+              <a:rPr lang="de-DE" dirty="0"/>
+              <a:t>Kerngeschäft: Personalvermittler</a:t>
+            </a:r>
+          </a:p>
+          <a:p>
+            <a:pPr marL="0" indent="0">
+              <a:buNone/>
+            </a:pPr>
+            <a:endParaRPr lang="de-DE" dirty="0"/>
+          </a:p>
+          <a:p>
+            <a:pPr marL="0" indent="0">
+              <a:buNone/>
+            </a:pPr>
+            <a:endParaRPr lang="de-DE" dirty="0"/>
+          </a:p>
+        </p:txBody>
+      </p:sp>
+    </p:spTree>
+    <p:extLst>
+      <p:ext uri="{BB962C8B-B14F-4D97-AF65-F5344CB8AC3E}">
+        <p14:creationId xmlns:p14="http://schemas.microsoft.com/office/powerpoint/2010/main" val="1020559392"/>
+      </p:ext>
+    </p:extLst>
+  </p:cSld>
+  <p:clrMapOvr>
+    <a:masterClrMapping/>
+  </p:clrMapOvr>
+</p:sld>
+</file>
+
+<file path=ppt/slides/slide4.xml><?xml version="1.0" encoding="utf-8"?>
+<p:sld xmlns:a="http://schemas.openxmlformats.org/drawingml/2006/main" xmlns:r="http://schemas.openxmlformats.org/officeDocument/2006/relationships" xmlns:p="http://schemas.openxmlformats.org/presentationml/2006/main">
+  <p:cSld>
+    <p:spTree>
+      <p:nvGrpSpPr>
+        <p:cNvPr id="1" name=""/>
+        <p:cNvGrpSpPr/>
+        <p:nvPr/>
+      </p:nvGrpSpPr>
+      <p:grpSpPr>
+        <a:xfrm>
+          <a:off x="0" y="0"/>
+          <a:ext cx="0" cy="0"/>
+          <a:chOff x="0" y="0"/>
+          <a:chExt cx="0" cy="0"/>
+        </a:xfrm>
+      </p:grpSpPr>
+      <p:sp>
+        <p:nvSpPr>
+          <p:cNvPr id="2" name="Titel 1">
+            <a:extLst>
+              <a:ext uri="{FF2B5EF4-FFF2-40B4-BE49-F238E27FC236}">
+                <a16:creationId xmlns:a16="http://schemas.microsoft.com/office/drawing/2014/main" id="{CFCD7B75-020C-4B05-97F7-F79EA9E1DDB3}"/>
+              </a:ext>
+            </a:extLst>
+          </p:cNvPr>
+          <p:cNvSpPr>
+            <a:spLocks noGrp="1"/>
+          </p:cNvSpPr>
+          <p:nvPr>
+            <p:ph type="title"/>
+          </p:nvPr>
+        </p:nvSpPr>
+        <p:spPr/>
+        <p:txBody>
+          <a:bodyPr/>
+          <a:lstStyle/>
+          <a:p>
+            <a:r>
+              <a:rPr lang="de-DE" dirty="0"/>
+              <a:t>Kern von 8vance</a:t>
+            </a:r>
+          </a:p>
+        </p:txBody>
+      </p:sp>
+      <p:sp>
+        <p:nvSpPr>
+          <p:cNvPr id="3" name="Inhaltsplatzhalter 2">
+            <a:extLst>
+              <a:ext uri="{FF2B5EF4-FFF2-40B4-BE49-F238E27FC236}">
+                <a16:creationId xmlns:a16="http://schemas.microsoft.com/office/drawing/2014/main" id="{57DACF81-782C-4E7E-B636-B4D4A4B47E42}"/>
+              </a:ext>
+            </a:extLst>
+          </p:cNvPr>
+          <p:cNvSpPr>
+            <a:spLocks noGrp="1"/>
+          </p:cNvSpPr>
+          <p:nvPr>
+            <p:ph idx="1"/>
+          </p:nvPr>
+        </p:nvSpPr>
+        <p:spPr/>
+        <p:txBody>
+          <a:bodyPr/>
+          <a:lstStyle/>
+          <a:p>
+            <a:r>
+              <a:rPr lang="de-DE" dirty="0"/>
+              <a:t>AIMA (</a:t>
+            </a:r>
+            <a:r>
+              <a:rPr lang="de-DE" dirty="0" err="1"/>
+              <a:t>Automatic</a:t>
+            </a:r>
+            <a:r>
+              <a:rPr lang="de-DE" dirty="0"/>
+              <a:t> Intelligent </a:t>
+            </a:r>
+            <a:r>
+              <a:rPr lang="de-DE" dirty="0" err="1"/>
+              <a:t>Matching</a:t>
+            </a:r>
+            <a:r>
+              <a:rPr lang="de-DE" dirty="0"/>
+              <a:t> Agent)</a:t>
+            </a:r>
+          </a:p>
+          <a:p>
+            <a:r>
+              <a:rPr lang="de-DE" dirty="0"/>
+              <a:t>Durchsucht das Internet nach passenden Kandidaten</a:t>
+            </a:r>
+          </a:p>
+          <a:p>
+            <a:r>
+              <a:rPr lang="de-DE" dirty="0"/>
+              <a:t>Verwendet Big Data und Künstliche Intelligenz</a:t>
+            </a:r>
+          </a:p>
+          <a:p>
+            <a:r>
+              <a:rPr lang="de-DE" dirty="0"/>
+              <a:t>Vergleicht auch Soft Skills</a:t>
+            </a:r>
+          </a:p>
+          <a:p>
+            <a:endParaRPr lang="de-DE" dirty="0"/>
+          </a:p>
+        </p:txBody>
+      </p:sp>
+    </p:spTree>
+    <p:extLst>
+      <p:ext uri="{BB962C8B-B14F-4D97-AF65-F5344CB8AC3E}">
+        <p14:creationId xmlns:p14="http://schemas.microsoft.com/office/powerpoint/2010/main" val="1082851739"/>
+      </p:ext>
+    </p:extLst>
+  </p:cSld>
+  <p:clrMapOvr>
+    <a:masterClrMapping/>
+  </p:clrMapOvr>
+</p:sld>
+</file>
+
+<file path=ppt/slides/slide5.xml><?xml version="1.0" encoding="utf-8"?>
+<p:sld xmlns:a="http://schemas.openxmlformats.org/drawingml/2006/main" xmlns:r="http://schemas.openxmlformats.org/officeDocument/2006/relationships" xmlns:p="http://schemas.openxmlformats.org/presentationml/2006/main">
+  <p:cSld>
+    <p:spTree>
+      <p:nvGrpSpPr>
+        <p:cNvPr id="1" name=""/>
+        <p:cNvGrpSpPr/>
+        <p:nvPr/>
+      </p:nvGrpSpPr>
+      <p:grpSpPr>
+        <a:xfrm>
+          <a:off x="0" y="0"/>
+          <a:ext cx="0" cy="0"/>
+          <a:chOff x="0" y="0"/>
+          <a:chExt cx="0" cy="0"/>
+        </a:xfrm>
+      </p:grpSpPr>
+      <p:sp>
+        <p:nvSpPr>
+          <p:cNvPr id="2" name="Titel 1">
+            <a:extLst>
+              <a:ext uri="{FF2B5EF4-FFF2-40B4-BE49-F238E27FC236}">
+                <a16:creationId xmlns:a16="http://schemas.microsoft.com/office/drawing/2014/main" id="{21179806-7702-43D5-96CC-0DC9F97398F6}"/>
+              </a:ext>
+            </a:extLst>
+          </p:cNvPr>
+          <p:cNvSpPr>
+            <a:spLocks noGrp="1"/>
+          </p:cNvSpPr>
+          <p:nvPr>
+            <p:ph type="title"/>
+          </p:nvPr>
+        </p:nvSpPr>
+        <p:spPr/>
+        <p:txBody>
+          <a:bodyPr/>
+          <a:lstStyle/>
+          <a:p>
+            <a:r>
+              <a:rPr lang="de-DE" dirty="0"/>
+              <a:t>Dienstleistungen</a:t>
+            </a:r>
+          </a:p>
+        </p:txBody>
+      </p:sp>
+      <p:sp>
+        <p:nvSpPr>
+          <p:cNvPr id="9" name="Rechteck 8">
+            <a:extLst>
+              <a:ext uri="{FF2B5EF4-FFF2-40B4-BE49-F238E27FC236}">
+                <a16:creationId xmlns:a16="http://schemas.microsoft.com/office/drawing/2014/main" id="{2BFDE923-F746-4DF6-8737-FD8D056D40F0}"/>
+              </a:ext>
+            </a:extLst>
+          </p:cNvPr>
+          <p:cNvSpPr/>
+          <p:nvPr/>
+        </p:nvSpPr>
+        <p:spPr>
+          <a:xfrm>
+            <a:off x="693019" y="2579571"/>
+            <a:ext cx="4504623" cy="3773103"/>
+          </a:xfrm>
+          <a:prstGeom prst="rect">
+            <a:avLst/>
+          </a:prstGeom>
+        </p:spPr>
+        <p:style>
+          <a:lnRef idx="2">
+            <a:schemeClr val="accent2">
+              <a:shade val="50000"/>
+            </a:schemeClr>
+          </a:lnRef>
+          <a:fillRef idx="1">
+            <a:schemeClr val="accent2"/>
+          </a:fillRef>
+          <a:effectRef idx="0">
+            <a:schemeClr val="accent2"/>
+          </a:effectRef>
+          <a:fontRef idx="minor">
+            <a:schemeClr val="lt1"/>
+          </a:fontRef>
+        </p:style>
+        <p:txBody>
+          <a:bodyPr numCol="1" rtlCol="0" anchor="b"/>
+          <a:lstStyle/>
+          <a:p>
+            <a:pPr algn="r"/>
+            <a:r>
+              <a:rPr lang="de-DE" dirty="0"/>
+              <a:t>Eigenes Unternehmen</a:t>
+            </a:r>
+          </a:p>
+        </p:txBody>
+      </p:sp>
+      <p:sp>
+        <p:nvSpPr>
+          <p:cNvPr id="3" name="Inhaltsplatzhalter 2">
+            <a:extLst>
+              <a:ext uri="{FF2B5EF4-FFF2-40B4-BE49-F238E27FC236}">
+                <a16:creationId xmlns:a16="http://schemas.microsoft.com/office/drawing/2014/main" id="{9D7F7C24-AA8A-4335-B733-7D5B93B1C1A2}"/>
+              </a:ext>
+            </a:extLst>
+          </p:cNvPr>
+          <p:cNvSpPr>
+            <a:spLocks noGrp="1"/>
+          </p:cNvSpPr>
+          <p:nvPr>
+            <p:ph idx="1"/>
+          </p:nvPr>
+        </p:nvSpPr>
+        <p:spPr>
+          <a:xfrm>
+            <a:off x="838200" y="1825625"/>
+            <a:ext cx="10278979" cy="503689"/>
+          </a:xfrm>
+        </p:spPr>
+        <p:txBody>
+          <a:bodyPr/>
+          <a:lstStyle/>
+          <a:p>
+            <a:r>
+              <a:rPr lang="de-DE" dirty="0"/>
+              <a:t>Lizenzgebühr für die Benutzung von AIMA</a:t>
+            </a:r>
+          </a:p>
+        </p:txBody>
+      </p:sp>
+      <p:sp>
+        <p:nvSpPr>
+          <p:cNvPr id="4" name="Rechteck: abgerundete Ecken 3">
+            <a:extLst>
+              <a:ext uri="{FF2B5EF4-FFF2-40B4-BE49-F238E27FC236}">
+                <a16:creationId xmlns:a16="http://schemas.microsoft.com/office/drawing/2014/main" id="{FFD4ADCD-38A3-47B8-98FC-81E638F99B3B}"/>
+              </a:ext>
+            </a:extLst>
+          </p:cNvPr>
+          <p:cNvSpPr/>
+          <p:nvPr/>
+        </p:nvSpPr>
+        <p:spPr>
+          <a:xfrm>
+            <a:off x="838200" y="3436218"/>
+            <a:ext cx="1828800" cy="1482291"/>
+          </a:xfrm>
+          <a:prstGeom prst="roundRect">
+            <a:avLst/>
+          </a:prstGeom>
+        </p:spPr>
+        <p:style>
+          <a:lnRef idx="2">
+            <a:schemeClr val="accent1">
+              <a:shade val="50000"/>
+            </a:schemeClr>
+          </a:lnRef>
+          <a:fillRef idx="1">
+            <a:schemeClr val="accent1"/>
+          </a:fillRef>
+          <a:effectRef idx="0">
+            <a:schemeClr val="accent1"/>
+          </a:effectRef>
+          <a:fontRef idx="minor">
+            <a:schemeClr val="lt1"/>
+          </a:fontRef>
+        </p:style>
+        <p:txBody>
+          <a:bodyPr rtlCol="0" anchor="ctr"/>
+          <a:lstStyle/>
+          <a:p>
+            <a:pPr algn="ctr"/>
+            <a:r>
+              <a:rPr lang="de-DE" dirty="0"/>
+              <a:t>Freie Stelle im Unternehmen</a:t>
+            </a:r>
+          </a:p>
+        </p:txBody>
+      </p:sp>
+      <p:sp>
+        <p:nvSpPr>
+          <p:cNvPr id="12" name="Rechteck 11">
+            <a:extLst>
+              <a:ext uri="{FF2B5EF4-FFF2-40B4-BE49-F238E27FC236}">
+                <a16:creationId xmlns:a16="http://schemas.microsoft.com/office/drawing/2014/main" id="{1B5B4D61-088E-4017-BDB4-A197E6EEDCBE}"/>
+              </a:ext>
+            </a:extLst>
+          </p:cNvPr>
+          <p:cNvSpPr/>
+          <p:nvPr/>
+        </p:nvSpPr>
+        <p:spPr>
+          <a:xfrm>
+            <a:off x="5197642" y="2579571"/>
+            <a:ext cx="5919537" cy="3773103"/>
+          </a:xfrm>
+          <a:prstGeom prst="rect">
+            <a:avLst/>
+          </a:prstGeom>
+        </p:spPr>
+        <p:style>
+          <a:lnRef idx="2">
+            <a:schemeClr val="accent6">
+              <a:shade val="50000"/>
+            </a:schemeClr>
+          </a:lnRef>
+          <a:fillRef idx="1">
+            <a:schemeClr val="accent6"/>
+          </a:fillRef>
+          <a:effectRef idx="0">
+            <a:schemeClr val="accent6"/>
+          </a:effectRef>
+          <a:fontRef idx="minor">
+            <a:schemeClr val="lt1"/>
+          </a:fontRef>
+        </p:style>
+        <p:txBody>
+          <a:bodyPr numCol="1" rtlCol="0" anchor="b"/>
+          <a:lstStyle/>
+          <a:p>
+            <a:pPr algn="r"/>
+            <a:r>
+              <a:rPr lang="de-DE" dirty="0"/>
+              <a:t>8vance</a:t>
+            </a:r>
+          </a:p>
+        </p:txBody>
+      </p:sp>
+      <p:sp>
+        <p:nvSpPr>
+          <p:cNvPr id="6" name="Rechteck: abgerundete Ecken 5">
+            <a:extLst>
+              <a:ext uri="{FF2B5EF4-FFF2-40B4-BE49-F238E27FC236}">
+                <a16:creationId xmlns:a16="http://schemas.microsoft.com/office/drawing/2014/main" id="{408902A2-837F-4636-944D-220BAB365EFA}"/>
+              </a:ext>
+            </a:extLst>
+          </p:cNvPr>
+          <p:cNvSpPr/>
+          <p:nvPr/>
+        </p:nvSpPr>
+        <p:spPr>
+          <a:xfrm>
+            <a:off x="4267200" y="3436218"/>
+            <a:ext cx="1828800" cy="1482291"/>
+          </a:xfrm>
+          <a:prstGeom prst="roundRect">
+            <a:avLst/>
+          </a:prstGeom>
+        </p:spPr>
+        <p:style>
+          <a:lnRef idx="2">
+            <a:schemeClr val="accent1">
+              <a:shade val="50000"/>
+            </a:schemeClr>
+          </a:lnRef>
+          <a:fillRef idx="1">
+            <a:schemeClr val="accent1"/>
+          </a:fillRef>
+          <a:effectRef idx="0">
+            <a:schemeClr val="accent1"/>
+          </a:effectRef>
+          <a:fontRef idx="minor">
+            <a:schemeClr val="lt1"/>
+          </a:fontRef>
+        </p:style>
+        <p:txBody>
+          <a:bodyPr rtlCol="0" anchor="ctr"/>
+          <a:lstStyle/>
+          <a:p>
+            <a:pPr algn="ctr"/>
+            <a:r>
+              <a:rPr lang="de-DE" dirty="0"/>
+              <a:t>AIMA</a:t>
+            </a:r>
+          </a:p>
+        </p:txBody>
+      </p:sp>
+      <p:cxnSp>
+        <p:nvCxnSpPr>
+          <p:cNvPr id="11" name="Gerade Verbindung mit Pfeil 10">
+            <a:extLst>
+              <a:ext uri="{FF2B5EF4-FFF2-40B4-BE49-F238E27FC236}">
+                <a16:creationId xmlns:a16="http://schemas.microsoft.com/office/drawing/2014/main" id="{4F88E6E7-6A76-421B-9158-0531D6B85D60}"/>
+              </a:ext>
+            </a:extLst>
+          </p:cNvPr>
+          <p:cNvCxnSpPr>
+            <a:cxnSpLocks/>
+          </p:cNvCxnSpPr>
+          <p:nvPr/>
+        </p:nvCxnSpPr>
+        <p:spPr>
+          <a:xfrm>
+            <a:off x="2667000" y="3755339"/>
+            <a:ext cx="1600200" cy="0"/>
+          </a:xfrm>
+          <a:prstGeom prst="straightConnector1">
+            <a:avLst/>
+          </a:prstGeom>
+          <a:ln w="57150">
+            <a:solidFill>
+              <a:schemeClr val="tx1"/>
+            </a:solidFill>
+            <a:tailEnd type="triangle"/>
+          </a:ln>
+        </p:spPr>
+        <p:style>
+          <a:lnRef idx="1">
+            <a:schemeClr val="accent1"/>
+          </a:lnRef>
+          <a:fillRef idx="0">
+            <a:schemeClr val="accent1"/>
+          </a:fillRef>
+          <a:effectRef idx="0">
+            <a:schemeClr val="accent1"/>
+          </a:effectRef>
+          <a:fontRef idx="minor">
+            <a:schemeClr val="tx1"/>
+          </a:fontRef>
+        </p:style>
+      </p:cxnSp>
+      <p:sp>
+        <p:nvSpPr>
+          <p:cNvPr id="13" name="Ellipse 12">
+            <a:extLst>
+              <a:ext uri="{FF2B5EF4-FFF2-40B4-BE49-F238E27FC236}">
+                <a16:creationId xmlns:a16="http://schemas.microsoft.com/office/drawing/2014/main" id="{1D1D473D-1839-4582-A76B-423EA06BA87F}"/>
+              </a:ext>
+            </a:extLst>
+          </p:cNvPr>
+          <p:cNvSpPr/>
+          <p:nvPr/>
+        </p:nvSpPr>
+        <p:spPr>
+          <a:xfrm>
+            <a:off x="7696200" y="2877954"/>
+            <a:ext cx="3089709" cy="2906829"/>
+          </a:xfrm>
+          <a:prstGeom prst="ellipse">
+            <a:avLst/>
+          </a:prstGeom>
+        </p:spPr>
+        <p:style>
+          <a:lnRef idx="2">
+            <a:schemeClr val="accent1">
+              <a:shade val="50000"/>
+            </a:schemeClr>
+          </a:lnRef>
+          <a:fillRef idx="1">
+            <a:schemeClr val="accent1"/>
+          </a:fillRef>
+          <a:effectRef idx="0">
+            <a:schemeClr val="accent1"/>
+          </a:effectRef>
+          <a:fontRef idx="minor">
+            <a:schemeClr val="lt1"/>
+          </a:fontRef>
+        </p:style>
+        <p:txBody>
+          <a:bodyPr rtlCol="0" anchor="b"/>
+          <a:lstStyle/>
+          <a:p>
+            <a:pPr algn="ctr"/>
+            <a:r>
+              <a:rPr lang="de-DE" dirty="0"/>
+              <a:t>Big Data | KI</a:t>
+            </a:r>
+          </a:p>
+        </p:txBody>
+      </p:sp>
+      <p:sp>
+        <p:nvSpPr>
+          <p:cNvPr id="14" name="Rechteck 13">
+            <a:extLst>
+              <a:ext uri="{FF2B5EF4-FFF2-40B4-BE49-F238E27FC236}">
+                <a16:creationId xmlns:a16="http://schemas.microsoft.com/office/drawing/2014/main" id="{76D9546A-02AE-49FA-93C8-7BEC3D31C0A8}"/>
+              </a:ext>
+            </a:extLst>
+          </p:cNvPr>
+          <p:cNvSpPr/>
+          <p:nvPr/>
+        </p:nvSpPr>
+        <p:spPr>
+          <a:xfrm>
+            <a:off x="8114898" y="4677878"/>
+            <a:ext cx="2252312" cy="240631"/>
+          </a:xfrm>
+          <a:prstGeom prst="rect">
+            <a:avLst/>
+          </a:prstGeom>
+        </p:spPr>
+        <p:style>
+          <a:lnRef idx="3">
+            <a:schemeClr val="lt1"/>
+          </a:lnRef>
+          <a:fillRef idx="1">
+            <a:schemeClr val="accent4"/>
+          </a:fillRef>
+          <a:effectRef idx="1">
+            <a:schemeClr val="accent4"/>
+          </a:effectRef>
+          <a:fontRef idx="minor">
+            <a:schemeClr val="lt1"/>
+          </a:fontRef>
+        </p:style>
+        <p:txBody>
+          <a:bodyPr rtlCol="0" anchor="ctr"/>
+          <a:lstStyle/>
+          <a:p>
+            <a:pPr algn="ctr"/>
+            <a:r>
+              <a:rPr lang="de-DE" dirty="0"/>
+              <a:t>Soziale Netzwerke</a:t>
+            </a:r>
+          </a:p>
+        </p:txBody>
+      </p:sp>
+      <p:sp>
+        <p:nvSpPr>
+          <p:cNvPr id="16" name="Rechteck 15">
+            <a:extLst>
+              <a:ext uri="{FF2B5EF4-FFF2-40B4-BE49-F238E27FC236}">
+                <a16:creationId xmlns:a16="http://schemas.microsoft.com/office/drawing/2014/main" id="{C21358A1-A311-4A33-A087-460A26E03707}"/>
+              </a:ext>
+            </a:extLst>
+          </p:cNvPr>
+          <p:cNvSpPr/>
+          <p:nvPr/>
+        </p:nvSpPr>
+        <p:spPr>
+          <a:xfrm>
+            <a:off x="8114898" y="4288055"/>
+            <a:ext cx="2252312" cy="240631"/>
+          </a:xfrm>
+          <a:prstGeom prst="rect">
+            <a:avLst/>
+          </a:prstGeom>
+        </p:spPr>
+        <p:style>
+          <a:lnRef idx="3">
+            <a:schemeClr val="lt1"/>
+          </a:lnRef>
+          <a:fillRef idx="1">
+            <a:schemeClr val="accent4"/>
+          </a:fillRef>
+          <a:effectRef idx="1">
+            <a:schemeClr val="accent4"/>
+          </a:effectRef>
+          <a:fontRef idx="minor">
+            <a:schemeClr val="lt1"/>
+          </a:fontRef>
+        </p:style>
+        <p:txBody>
+          <a:bodyPr rtlCol="0" anchor="ctr"/>
+          <a:lstStyle/>
+          <a:p>
+            <a:pPr algn="ctr"/>
+            <a:r>
+              <a:rPr lang="de-DE" dirty="0"/>
+              <a:t>Datenbanken</a:t>
+            </a:r>
+          </a:p>
+        </p:txBody>
+      </p:sp>
+      <p:sp>
+        <p:nvSpPr>
+          <p:cNvPr id="17" name="Rechteck 16">
+            <a:extLst>
+              <a:ext uri="{FF2B5EF4-FFF2-40B4-BE49-F238E27FC236}">
+                <a16:creationId xmlns:a16="http://schemas.microsoft.com/office/drawing/2014/main" id="{F26EA52A-19D9-47D2-A0E3-3881F9C0E0D4}"/>
+              </a:ext>
+            </a:extLst>
+          </p:cNvPr>
+          <p:cNvSpPr/>
+          <p:nvPr/>
+        </p:nvSpPr>
+        <p:spPr>
+          <a:xfrm>
+            <a:off x="7998593" y="3852513"/>
+            <a:ext cx="2476902" cy="257474"/>
+          </a:xfrm>
+          <a:prstGeom prst="rect">
+            <a:avLst/>
+          </a:prstGeom>
+        </p:spPr>
+        <p:style>
+          <a:lnRef idx="3">
+            <a:schemeClr val="lt1"/>
+          </a:lnRef>
+          <a:fillRef idx="1">
+            <a:schemeClr val="accent4"/>
+          </a:fillRef>
+          <a:effectRef idx="1">
+            <a:schemeClr val="accent4"/>
+          </a:effectRef>
+          <a:fontRef idx="minor">
+            <a:schemeClr val="lt1"/>
+          </a:fontRef>
+        </p:style>
+        <p:txBody>
+          <a:bodyPr rtlCol="0" anchor="ctr"/>
+          <a:lstStyle/>
+          <a:p>
+            <a:pPr algn="ctr"/>
+            <a:r>
+              <a:rPr lang="de-DE" dirty="0"/>
+              <a:t>öffentliche Lebensläufe</a:t>
+            </a:r>
+          </a:p>
+        </p:txBody>
+      </p:sp>
+      <p:cxnSp>
+        <p:nvCxnSpPr>
+          <p:cNvPr id="19" name="Gerade Verbindung mit Pfeil 18">
+            <a:extLst>
+              <a:ext uri="{FF2B5EF4-FFF2-40B4-BE49-F238E27FC236}">
+                <a16:creationId xmlns:a16="http://schemas.microsoft.com/office/drawing/2014/main" id="{64B1E2A3-FE7B-432F-A6B7-B5C3C33BBABB}"/>
+              </a:ext>
+            </a:extLst>
+          </p:cNvPr>
+          <p:cNvCxnSpPr/>
+          <p:nvPr/>
+        </p:nvCxnSpPr>
+        <p:spPr>
+          <a:xfrm>
+            <a:off x="6096000" y="3782728"/>
+            <a:ext cx="1710088" cy="0"/>
+          </a:xfrm>
+          <a:prstGeom prst="straightConnector1">
+            <a:avLst/>
+          </a:prstGeom>
+          <a:ln w="57150">
+            <a:solidFill>
+              <a:schemeClr val="tx1"/>
+            </a:solidFill>
+            <a:tailEnd type="triangle"/>
+          </a:ln>
+        </p:spPr>
+        <p:style>
+          <a:lnRef idx="1">
+            <a:schemeClr val="accent1"/>
+          </a:lnRef>
+          <a:fillRef idx="0">
+            <a:schemeClr val="accent1"/>
+          </a:fillRef>
+          <a:effectRef idx="0">
+            <a:schemeClr val="accent1"/>
+          </a:effectRef>
+          <a:fontRef idx="minor">
+            <a:schemeClr val="tx1"/>
+          </a:fontRef>
+        </p:style>
+      </p:cxnSp>
+      <p:cxnSp>
+        <p:nvCxnSpPr>
+          <p:cNvPr id="21" name="Gerade Verbindung mit Pfeil 20">
+            <a:extLst>
+              <a:ext uri="{FF2B5EF4-FFF2-40B4-BE49-F238E27FC236}">
+                <a16:creationId xmlns:a16="http://schemas.microsoft.com/office/drawing/2014/main" id="{F048CF99-9FBE-4563-BA3B-EBDA8E66A6FE}"/>
+              </a:ext>
+            </a:extLst>
+          </p:cNvPr>
+          <p:cNvCxnSpPr/>
+          <p:nvPr/>
+        </p:nvCxnSpPr>
+        <p:spPr>
+          <a:xfrm flipH="1">
+            <a:off x="6096000" y="4600876"/>
+            <a:ext cx="1600200" cy="0"/>
+          </a:xfrm>
+          <a:prstGeom prst="straightConnector1">
+            <a:avLst/>
+          </a:prstGeom>
+          <a:ln w="57150">
+            <a:solidFill>
+              <a:schemeClr val="tx1"/>
+            </a:solidFill>
+            <a:tailEnd type="triangle"/>
+          </a:ln>
+        </p:spPr>
+        <p:style>
+          <a:lnRef idx="1">
+            <a:schemeClr val="accent1"/>
+          </a:lnRef>
+          <a:fillRef idx="0">
+            <a:schemeClr val="accent1"/>
+          </a:fillRef>
+          <a:effectRef idx="0">
+            <a:schemeClr val="accent1"/>
+          </a:effectRef>
+          <a:fontRef idx="minor">
+            <a:schemeClr val="tx1"/>
+          </a:fontRef>
+        </p:style>
+      </p:cxnSp>
+      <p:sp>
+        <p:nvSpPr>
+          <p:cNvPr id="22" name="Textfeld 21">
+            <a:extLst>
+              <a:ext uri="{FF2B5EF4-FFF2-40B4-BE49-F238E27FC236}">
+                <a16:creationId xmlns:a16="http://schemas.microsoft.com/office/drawing/2014/main" id="{66D5821B-FE54-49F0-9D0A-1BA948D6B138}"/>
+              </a:ext>
+            </a:extLst>
+          </p:cNvPr>
+          <p:cNvSpPr txBox="1"/>
+          <p:nvPr/>
+        </p:nvSpPr>
+        <p:spPr>
+          <a:xfrm>
+            <a:off x="6270171" y="3436218"/>
+            <a:ext cx="1245996" cy="369332"/>
+          </a:xfrm>
+          <a:prstGeom prst="rect">
+            <a:avLst/>
+          </a:prstGeom>
+          <a:noFill/>
+        </p:spPr>
+        <p:txBody>
+          <a:bodyPr wrap="square" rtlCol="0">
+            <a:spAutoFit/>
+          </a:bodyPr>
+          <a:lstStyle/>
+          <a:p>
+            <a:r>
+              <a:rPr lang="de-DE" dirty="0"/>
+              <a:t>Vakanz</a:t>
+            </a:r>
+          </a:p>
+        </p:txBody>
+      </p:sp>
+      <p:sp>
+        <p:nvSpPr>
+          <p:cNvPr id="23" name="Textfeld 22">
+            <a:extLst>
+              <a:ext uri="{FF2B5EF4-FFF2-40B4-BE49-F238E27FC236}">
+                <a16:creationId xmlns:a16="http://schemas.microsoft.com/office/drawing/2014/main" id="{CA77C4E2-45D0-4BC6-A29B-F3F281FC00C0}"/>
+              </a:ext>
+            </a:extLst>
+          </p:cNvPr>
+          <p:cNvSpPr txBox="1"/>
+          <p:nvPr/>
+        </p:nvSpPr>
+        <p:spPr>
+          <a:xfrm>
+            <a:off x="6306613" y="4239756"/>
+            <a:ext cx="1245996" cy="369332"/>
+          </a:xfrm>
+          <a:prstGeom prst="rect">
+            <a:avLst/>
+          </a:prstGeom>
+          <a:noFill/>
+        </p:spPr>
+        <p:txBody>
+          <a:bodyPr wrap="square" rtlCol="0">
+            <a:spAutoFit/>
+          </a:bodyPr>
+          <a:lstStyle/>
+          <a:p>
+            <a:r>
+              <a:rPr lang="de-DE" dirty="0"/>
+              <a:t>Kandidat</a:t>
+            </a:r>
+          </a:p>
+        </p:txBody>
+      </p:sp>
+      <p:sp>
+        <p:nvSpPr>
+          <p:cNvPr id="24" name="Textfeld 23">
+            <a:extLst>
+              <a:ext uri="{FF2B5EF4-FFF2-40B4-BE49-F238E27FC236}">
+                <a16:creationId xmlns:a16="http://schemas.microsoft.com/office/drawing/2014/main" id="{D9BA236C-5B4B-472C-8924-AAE9A025B38E}"/>
+              </a:ext>
+            </a:extLst>
+          </p:cNvPr>
+          <p:cNvSpPr txBox="1"/>
+          <p:nvPr/>
+        </p:nvSpPr>
+        <p:spPr>
+          <a:xfrm>
+            <a:off x="2702367" y="3386007"/>
+            <a:ext cx="1245996" cy="369332"/>
+          </a:xfrm>
+          <a:prstGeom prst="rect">
+            <a:avLst/>
+          </a:prstGeom>
+          <a:noFill/>
+        </p:spPr>
+        <p:txBody>
+          <a:bodyPr wrap="square" rtlCol="0">
+            <a:spAutoFit/>
+          </a:bodyPr>
+          <a:lstStyle/>
+          <a:p>
+            <a:r>
+              <a:rPr lang="de-DE" dirty="0"/>
+              <a:t>Vakanz</a:t>
+            </a:r>
+          </a:p>
+        </p:txBody>
+      </p:sp>
+      <p:cxnSp>
+        <p:nvCxnSpPr>
+          <p:cNvPr id="25" name="Gerade Verbindung mit Pfeil 24">
+            <a:extLst>
+              <a:ext uri="{FF2B5EF4-FFF2-40B4-BE49-F238E27FC236}">
+                <a16:creationId xmlns:a16="http://schemas.microsoft.com/office/drawing/2014/main" id="{2BFBB725-0DD1-4CDB-A9D1-8FA93D047573}"/>
+              </a:ext>
+            </a:extLst>
+          </p:cNvPr>
+          <p:cNvCxnSpPr/>
+          <p:nvPr/>
+        </p:nvCxnSpPr>
+        <p:spPr>
+          <a:xfrm flipH="1">
+            <a:off x="2667000" y="4569285"/>
+            <a:ext cx="1600200" cy="0"/>
+          </a:xfrm>
+          <a:prstGeom prst="straightConnector1">
+            <a:avLst/>
+          </a:prstGeom>
+          <a:ln w="57150">
+            <a:solidFill>
+              <a:schemeClr val="tx1"/>
+            </a:solidFill>
+            <a:tailEnd type="triangle"/>
+          </a:ln>
+        </p:spPr>
+        <p:style>
+          <a:lnRef idx="1">
+            <a:schemeClr val="accent1"/>
+          </a:lnRef>
+          <a:fillRef idx="0">
+            <a:schemeClr val="accent1"/>
+          </a:fillRef>
+          <a:effectRef idx="0">
+            <a:schemeClr val="accent1"/>
+          </a:effectRef>
+          <a:fontRef idx="minor">
+            <a:schemeClr val="tx1"/>
+          </a:fontRef>
+        </p:style>
+      </p:cxnSp>
+      <p:sp>
+        <p:nvSpPr>
+          <p:cNvPr id="26" name="Textfeld 25">
+            <a:extLst>
+              <a:ext uri="{FF2B5EF4-FFF2-40B4-BE49-F238E27FC236}">
+                <a16:creationId xmlns:a16="http://schemas.microsoft.com/office/drawing/2014/main" id="{164572A9-00B9-492D-BCB0-CF0B605BDA1E}"/>
+              </a:ext>
+            </a:extLst>
+          </p:cNvPr>
+          <p:cNvSpPr txBox="1"/>
+          <p:nvPr/>
+        </p:nvSpPr>
+        <p:spPr>
+          <a:xfrm>
+            <a:off x="2810591" y="4246119"/>
+            <a:ext cx="1245996" cy="646331"/>
+          </a:xfrm>
+          <a:prstGeom prst="rect">
+            <a:avLst/>
+          </a:prstGeom>
+          <a:noFill/>
+        </p:spPr>
+        <p:txBody>
+          <a:bodyPr wrap="square" rtlCol="0">
+            <a:spAutoFit/>
+          </a:bodyPr>
+          <a:lstStyle/>
+          <a:p>
+            <a:r>
+              <a:rPr lang="de-DE" dirty="0"/>
+              <a:t>Liste von Kandidaten</a:t>
+            </a:r>
+          </a:p>
+        </p:txBody>
+      </p:sp>
+    </p:spTree>
+    <p:extLst>
+      <p:ext uri="{BB962C8B-B14F-4D97-AF65-F5344CB8AC3E}">
+        <p14:creationId xmlns:p14="http://schemas.microsoft.com/office/powerpoint/2010/main" val="2146479671"/>
       </p:ext>
     </p:extLst>
   </p:cSld>

--- a/8vance.pptx
+++ b/8vance.pptx
@@ -8,8 +8,18 @@
     <p:sldId id="256" r:id="rId2"/>
     <p:sldId id="257" r:id="rId3"/>
     <p:sldId id="258" r:id="rId4"/>
-    <p:sldId id="260" r:id="rId5"/>
-    <p:sldId id="259" r:id="rId6"/>
+    <p:sldId id="265" r:id="rId5"/>
+    <p:sldId id="267" r:id="rId6"/>
+    <p:sldId id="260" r:id="rId7"/>
+    <p:sldId id="259" r:id="rId8"/>
+    <p:sldId id="261" r:id="rId9"/>
+    <p:sldId id="266" r:id="rId10"/>
+    <p:sldId id="263" r:id="rId11"/>
+    <p:sldId id="268" r:id="rId12"/>
+    <p:sldId id="269" r:id="rId13"/>
+    <p:sldId id="270" r:id="rId14"/>
+    <p:sldId id="271" r:id="rId15"/>
+    <p:sldId id="272" r:id="rId16"/>
   </p:sldIdLst>
   <p:sldSz cx="12192000" cy="6858000"/>
   <p:notesSz cx="6858000" cy="9144000"/>
@@ -267,7 +277,7 @@
           <a:p>
             <a:fld id="{F60B625B-07BC-4D1D-8392-43F677406593}" type="datetimeFigureOut">
               <a:rPr lang="de-DE" smtClean="0"/>
-              <a:t>26.10.2017</a:t>
+              <a:t>27.10.2017</a:t>
             </a:fld>
             <a:endParaRPr lang="de-DE"/>
           </a:p>
@@ -465,7 +475,7 @@
           <a:p>
             <a:fld id="{F60B625B-07BC-4D1D-8392-43F677406593}" type="datetimeFigureOut">
               <a:rPr lang="de-DE" smtClean="0"/>
-              <a:t>26.10.2017</a:t>
+              <a:t>27.10.2017</a:t>
             </a:fld>
             <a:endParaRPr lang="de-DE"/>
           </a:p>
@@ -673,7 +683,7 @@
           <a:p>
             <a:fld id="{F60B625B-07BC-4D1D-8392-43F677406593}" type="datetimeFigureOut">
               <a:rPr lang="de-DE" smtClean="0"/>
-              <a:t>26.10.2017</a:t>
+              <a:t>27.10.2017</a:t>
             </a:fld>
             <a:endParaRPr lang="de-DE"/>
           </a:p>
@@ -871,7 +881,7 @@
           <a:p>
             <a:fld id="{F60B625B-07BC-4D1D-8392-43F677406593}" type="datetimeFigureOut">
               <a:rPr lang="de-DE" smtClean="0"/>
-              <a:t>26.10.2017</a:t>
+              <a:t>27.10.2017</a:t>
             </a:fld>
             <a:endParaRPr lang="de-DE"/>
           </a:p>
@@ -1146,7 +1156,7 @@
           <a:p>
             <a:fld id="{F60B625B-07BC-4D1D-8392-43F677406593}" type="datetimeFigureOut">
               <a:rPr lang="de-DE" smtClean="0"/>
-              <a:t>26.10.2017</a:t>
+              <a:t>27.10.2017</a:t>
             </a:fld>
             <a:endParaRPr lang="de-DE"/>
           </a:p>
@@ -1411,7 +1421,7 @@
           <a:p>
             <a:fld id="{F60B625B-07BC-4D1D-8392-43F677406593}" type="datetimeFigureOut">
               <a:rPr lang="de-DE" smtClean="0"/>
-              <a:t>26.10.2017</a:t>
+              <a:t>27.10.2017</a:t>
             </a:fld>
             <a:endParaRPr lang="de-DE"/>
           </a:p>
@@ -1823,7 +1833,7 @@
           <a:p>
             <a:fld id="{F60B625B-07BC-4D1D-8392-43F677406593}" type="datetimeFigureOut">
               <a:rPr lang="de-DE" smtClean="0"/>
-              <a:t>26.10.2017</a:t>
+              <a:t>27.10.2017</a:t>
             </a:fld>
             <a:endParaRPr lang="de-DE"/>
           </a:p>
@@ -1964,7 +1974,7 @@
           <a:p>
             <a:fld id="{F60B625B-07BC-4D1D-8392-43F677406593}" type="datetimeFigureOut">
               <a:rPr lang="de-DE" smtClean="0"/>
-              <a:t>26.10.2017</a:t>
+              <a:t>27.10.2017</a:t>
             </a:fld>
             <a:endParaRPr lang="de-DE"/>
           </a:p>
@@ -2077,7 +2087,7 @@
           <a:p>
             <a:fld id="{F60B625B-07BC-4D1D-8392-43F677406593}" type="datetimeFigureOut">
               <a:rPr lang="de-DE" smtClean="0"/>
-              <a:t>26.10.2017</a:t>
+              <a:t>27.10.2017</a:t>
             </a:fld>
             <a:endParaRPr lang="de-DE"/>
           </a:p>
@@ -2388,7 +2398,7 @@
           <a:p>
             <a:fld id="{F60B625B-07BC-4D1D-8392-43F677406593}" type="datetimeFigureOut">
               <a:rPr lang="de-DE" smtClean="0"/>
-              <a:t>26.10.2017</a:t>
+              <a:t>27.10.2017</a:t>
             </a:fld>
             <a:endParaRPr lang="de-DE"/>
           </a:p>
@@ -2676,7 +2686,7 @@
           <a:p>
             <a:fld id="{F60B625B-07BC-4D1D-8392-43F677406593}" type="datetimeFigureOut">
               <a:rPr lang="de-DE" smtClean="0"/>
-              <a:t>26.10.2017</a:t>
+              <a:t>27.10.2017</a:t>
             </a:fld>
             <a:endParaRPr lang="de-DE"/>
           </a:p>
@@ -2917,7 +2927,7 @@
           <a:p>
             <a:fld id="{F60B625B-07BC-4D1D-8392-43F677406593}" type="datetimeFigureOut">
               <a:rPr lang="de-DE" smtClean="0"/>
-              <a:t>26.10.2017</a:t>
+              <a:t>27.10.2017</a:t>
             </a:fld>
             <a:endParaRPr lang="de-DE"/>
           </a:p>
@@ -3356,7 +3366,10 @@
           <a:lstStyle/>
           <a:p>
             <a:r>
-              <a:rPr lang="de-DE" dirty="0"/>
+              <a:rPr lang="de-DE" dirty="0">
+                <a:latin typeface="Arial" panose="020B0604020202020204" pitchFamily="34" charset="0"/>
+                <a:cs typeface="Arial" panose="020B0604020202020204" pitchFamily="34" charset="0"/>
+              </a:rPr>
               <a:t>8vance</a:t>
             </a:r>
           </a:p>
@@ -3384,7 +3397,10 @@
           <a:lstStyle/>
           <a:p>
             <a:r>
-              <a:rPr lang="de-DE" dirty="0"/>
+              <a:rPr lang="de-DE" dirty="0">
+                <a:latin typeface="Arial" panose="020B0604020202020204" pitchFamily="34" charset="0"/>
+                <a:cs typeface="Arial" panose="020B0604020202020204" pitchFamily="34" charset="0"/>
+              </a:rPr>
               <a:t>Neuere Entwicklungen im Management</a:t>
             </a:r>
           </a:p>
@@ -3418,7 +3434,7 @@
         </p:blipFill>
         <p:spPr>
           <a:xfrm>
-            <a:off x="9337040" y="228600"/>
+            <a:off x="8834622" y="520003"/>
             <a:ext cx="2854960" cy="2854960"/>
           </a:xfrm>
           <a:prstGeom prst="rect">
@@ -3430,6 +3446,1217 @@
     <p:extLst>
       <p:ext uri="{BB962C8B-B14F-4D97-AF65-F5344CB8AC3E}">
         <p14:creationId xmlns:p14="http://schemas.microsoft.com/office/powerpoint/2010/main" val="2379978584"/>
+      </p:ext>
+    </p:extLst>
+  </p:cSld>
+  <p:clrMapOvr>
+    <a:masterClrMapping/>
+  </p:clrMapOvr>
+</p:sld>
+</file>
+
+<file path=ppt/slides/slide10.xml><?xml version="1.0" encoding="utf-8"?>
+<p:sld xmlns:a="http://schemas.openxmlformats.org/drawingml/2006/main" xmlns:r="http://schemas.openxmlformats.org/officeDocument/2006/relationships" xmlns:p="http://schemas.openxmlformats.org/presentationml/2006/main">
+  <p:cSld>
+    <p:spTree>
+      <p:nvGrpSpPr>
+        <p:cNvPr id="1" name=""/>
+        <p:cNvGrpSpPr/>
+        <p:nvPr/>
+      </p:nvGrpSpPr>
+      <p:grpSpPr>
+        <a:xfrm>
+          <a:off x="0" y="0"/>
+          <a:ext cx="0" cy="0"/>
+          <a:chOff x="0" y="0"/>
+          <a:chExt cx="0" cy="0"/>
+        </a:xfrm>
+      </p:grpSpPr>
+      <p:sp>
+        <p:nvSpPr>
+          <p:cNvPr id="2" name="Titel 1">
+            <a:extLst>
+              <a:ext uri="{FF2B5EF4-FFF2-40B4-BE49-F238E27FC236}">
+                <a16:creationId xmlns:a16="http://schemas.microsoft.com/office/drawing/2014/main" id="{E1E1F777-8815-49C0-B5F7-06CAE0F5C0C1}"/>
+              </a:ext>
+            </a:extLst>
+          </p:cNvPr>
+          <p:cNvSpPr>
+            <a:spLocks noGrp="1"/>
+          </p:cNvSpPr>
+          <p:nvPr>
+            <p:ph type="title"/>
+          </p:nvPr>
+        </p:nvSpPr>
+        <p:spPr>
+          <a:xfrm>
+            <a:off x="838200" y="365125"/>
+            <a:ext cx="10515600" cy="1325563"/>
+          </a:xfrm>
+        </p:spPr>
+        <p:txBody>
+          <a:bodyPr/>
+          <a:lstStyle/>
+          <a:p>
+            <a:r>
+              <a:rPr lang="de-DE" dirty="0">
+                <a:latin typeface="Arial" panose="020B0604020202020204" pitchFamily="34" charset="0"/>
+                <a:cs typeface="Arial" panose="020B0604020202020204" pitchFamily="34" charset="0"/>
+              </a:rPr>
+              <a:t>Dienstleistungen</a:t>
+            </a:r>
+          </a:p>
+        </p:txBody>
+      </p:sp>
+      <p:pic>
+        <p:nvPicPr>
+          <p:cNvPr id="5" name="Inhaltsplatzhalter 4">
+            <a:extLst>
+              <a:ext uri="{FF2B5EF4-FFF2-40B4-BE49-F238E27FC236}">
+                <a16:creationId xmlns:a16="http://schemas.microsoft.com/office/drawing/2014/main" id="{45CD1C6D-9C28-47D4-9884-A12733943856}"/>
+              </a:ext>
+            </a:extLst>
+          </p:cNvPr>
+          <p:cNvPicPr>
+            <a:picLocks noGrp="1" noChangeAspect="1"/>
+          </p:cNvPicPr>
+          <p:nvPr>
+            <p:ph idx="1"/>
+          </p:nvPr>
+        </p:nvPicPr>
+        <p:blipFill>
+          <a:blip r:embed="rId2">
+            <a:extLst>
+              <a:ext uri="{28A0092B-C50C-407E-A947-70E740481C1C}">
+                <a14:useLocalDpi xmlns:a14="http://schemas.microsoft.com/office/drawing/2010/main" val="0"/>
+              </a:ext>
+            </a:extLst>
+          </a:blip>
+          <a:stretch>
+            <a:fillRect/>
+          </a:stretch>
+        </p:blipFill>
+        <p:spPr>
+          <a:xfrm>
+            <a:off x="1674697" y="1315484"/>
+            <a:ext cx="8845716" cy="4889867"/>
+          </a:xfrm>
+        </p:spPr>
+      </p:pic>
+      <p:sp>
+        <p:nvSpPr>
+          <p:cNvPr id="6" name="Textfeld 5">
+            <a:extLst>
+              <a:ext uri="{FF2B5EF4-FFF2-40B4-BE49-F238E27FC236}">
+                <a16:creationId xmlns:a16="http://schemas.microsoft.com/office/drawing/2014/main" id="{A1EF7CF4-AC61-4029-BFB3-B870C7522C8A}"/>
+              </a:ext>
+            </a:extLst>
+          </p:cNvPr>
+          <p:cNvSpPr txBox="1"/>
+          <p:nvPr/>
+        </p:nvSpPr>
+        <p:spPr>
+          <a:xfrm>
+            <a:off x="1674697" y="6280716"/>
+            <a:ext cx="4995610" cy="276999"/>
+          </a:xfrm>
+          <a:prstGeom prst="rect">
+            <a:avLst/>
+          </a:prstGeom>
+          <a:noFill/>
+        </p:spPr>
+        <p:txBody>
+          <a:bodyPr wrap="square" rtlCol="0">
+            <a:spAutoFit/>
+          </a:bodyPr>
+          <a:lstStyle/>
+          <a:p>
+            <a:r>
+              <a:rPr lang="de-DE" sz="1200" dirty="0">
+                <a:latin typeface="Arial" panose="020B0604020202020204" pitchFamily="34" charset="0"/>
+                <a:cs typeface="Arial" panose="020B0604020202020204" pitchFamily="34" charset="0"/>
+              </a:rPr>
+              <a:t>Quelle: https://8vance.com/de/what-we-do/#Full-Service </a:t>
+            </a:r>
+          </a:p>
+        </p:txBody>
+      </p:sp>
+    </p:spTree>
+    <p:extLst>
+      <p:ext uri="{BB962C8B-B14F-4D97-AF65-F5344CB8AC3E}">
+        <p14:creationId xmlns:p14="http://schemas.microsoft.com/office/powerpoint/2010/main" val="3829347253"/>
+      </p:ext>
+    </p:extLst>
+  </p:cSld>
+  <p:clrMapOvr>
+    <a:masterClrMapping/>
+  </p:clrMapOvr>
+</p:sld>
+</file>
+
+<file path=ppt/slides/slide11.xml><?xml version="1.0" encoding="utf-8"?>
+<p:sld xmlns:a="http://schemas.openxmlformats.org/drawingml/2006/main" xmlns:r="http://schemas.openxmlformats.org/officeDocument/2006/relationships" xmlns:p="http://schemas.openxmlformats.org/presentationml/2006/main">
+  <p:cSld>
+    <p:spTree>
+      <p:nvGrpSpPr>
+        <p:cNvPr id="1" name=""/>
+        <p:cNvGrpSpPr/>
+        <p:nvPr/>
+      </p:nvGrpSpPr>
+      <p:grpSpPr>
+        <a:xfrm>
+          <a:off x="0" y="0"/>
+          <a:ext cx="0" cy="0"/>
+          <a:chOff x="0" y="0"/>
+          <a:chExt cx="0" cy="0"/>
+        </a:xfrm>
+      </p:grpSpPr>
+      <p:sp>
+        <p:nvSpPr>
+          <p:cNvPr id="2" name="Titel 1">
+            <a:extLst>
+              <a:ext uri="{FF2B5EF4-FFF2-40B4-BE49-F238E27FC236}">
+                <a16:creationId xmlns:a16="http://schemas.microsoft.com/office/drawing/2014/main" id="{D6810E03-5E2F-4F8E-A462-D5F561725D72}"/>
+              </a:ext>
+            </a:extLst>
+          </p:cNvPr>
+          <p:cNvSpPr>
+            <a:spLocks noGrp="1"/>
+          </p:cNvSpPr>
+          <p:nvPr>
+            <p:ph type="title"/>
+          </p:nvPr>
+        </p:nvSpPr>
+        <p:spPr/>
+        <p:txBody>
+          <a:bodyPr/>
+          <a:lstStyle/>
+          <a:p>
+            <a:r>
+              <a:rPr lang="de-DE" dirty="0">
+                <a:latin typeface="Arial" panose="020B0604020202020204" pitchFamily="34" charset="0"/>
+                <a:cs typeface="Arial" panose="020B0604020202020204" pitchFamily="34" charset="0"/>
+              </a:rPr>
+              <a:t>Finanzierung</a:t>
+            </a:r>
+          </a:p>
+        </p:txBody>
+      </p:sp>
+      <p:sp>
+        <p:nvSpPr>
+          <p:cNvPr id="3" name="Inhaltsplatzhalter 2">
+            <a:extLst>
+              <a:ext uri="{FF2B5EF4-FFF2-40B4-BE49-F238E27FC236}">
+                <a16:creationId xmlns:a16="http://schemas.microsoft.com/office/drawing/2014/main" id="{03BAEB01-8955-4E4F-BA26-CB8B97F11B44}"/>
+              </a:ext>
+            </a:extLst>
+          </p:cNvPr>
+          <p:cNvSpPr>
+            <a:spLocks noGrp="1"/>
+          </p:cNvSpPr>
+          <p:nvPr>
+            <p:ph idx="1"/>
+          </p:nvPr>
+        </p:nvSpPr>
+        <p:spPr>
+          <a:xfrm>
+            <a:off x="838200" y="1825626"/>
+            <a:ext cx="10515600" cy="1431118"/>
+          </a:xfrm>
+        </p:spPr>
+        <p:txBody>
+          <a:bodyPr/>
+          <a:lstStyle/>
+          <a:p>
+            <a:r>
+              <a:rPr lang="de-DE" dirty="0">
+                <a:latin typeface="Arial" panose="020B0604020202020204" pitchFamily="34" charset="0"/>
+                <a:cs typeface="Arial" panose="020B0604020202020204" pitchFamily="34" charset="0"/>
+              </a:rPr>
+              <a:t>Niederländische Investmentfond LBDF, </a:t>
+            </a:r>
+            <a:r>
+              <a:rPr lang="de-DE" dirty="0" err="1">
+                <a:latin typeface="Arial" panose="020B0604020202020204" pitchFamily="34" charset="0"/>
+                <a:cs typeface="Arial" panose="020B0604020202020204" pitchFamily="34" charset="0"/>
+              </a:rPr>
+              <a:t>Rabobank</a:t>
+            </a:r>
+            <a:r>
+              <a:rPr lang="de-DE" dirty="0">
+                <a:latin typeface="Arial" panose="020B0604020202020204" pitchFamily="34" charset="0"/>
+                <a:cs typeface="Arial" panose="020B0604020202020204" pitchFamily="34" charset="0"/>
+              </a:rPr>
+              <a:t> und Han Stoffel investieren 2 Millionen Euro (28. Januar 2016)</a:t>
+            </a:r>
+            <a:r>
+              <a:rPr lang="de-DE" baseline="30000" dirty="0">
+                <a:latin typeface="Arial" panose="020B0604020202020204" pitchFamily="34" charset="0"/>
+                <a:cs typeface="Arial" panose="020B0604020202020204" pitchFamily="34" charset="0"/>
+              </a:rPr>
+              <a:t>1</a:t>
+            </a:r>
+          </a:p>
+          <a:p>
+            <a:r>
+              <a:rPr lang="de-DE" dirty="0">
+                <a:latin typeface="Arial" panose="020B0604020202020204" pitchFamily="34" charset="0"/>
+                <a:cs typeface="Arial" panose="020B0604020202020204" pitchFamily="34" charset="0"/>
+              </a:rPr>
+              <a:t>Smartphone App über Kickstarter (bis 21 Juli 2017)</a:t>
+            </a:r>
+            <a:r>
+              <a:rPr lang="de-DE" baseline="30000" dirty="0">
+                <a:latin typeface="Arial" panose="020B0604020202020204" pitchFamily="34" charset="0"/>
+                <a:cs typeface="Arial" panose="020B0604020202020204" pitchFamily="34" charset="0"/>
+              </a:rPr>
+              <a:t>2</a:t>
+            </a:r>
+          </a:p>
+          <a:p>
+            <a:pPr marL="0" indent="0">
+              <a:buNone/>
+            </a:pPr>
+            <a:endParaRPr lang="de-DE" dirty="0">
+              <a:latin typeface="Arial" panose="020B0604020202020204" pitchFamily="34" charset="0"/>
+              <a:cs typeface="Arial" panose="020B0604020202020204" pitchFamily="34" charset="0"/>
+            </a:endParaRPr>
+          </a:p>
+        </p:txBody>
+      </p:sp>
+      <p:pic>
+        <p:nvPicPr>
+          <p:cNvPr id="5" name="Grafik 4">
+            <a:extLst>
+              <a:ext uri="{FF2B5EF4-FFF2-40B4-BE49-F238E27FC236}">
+                <a16:creationId xmlns:a16="http://schemas.microsoft.com/office/drawing/2014/main" id="{3D9368D3-311E-423D-8AE4-3E6D8F88AFF3}"/>
+              </a:ext>
+            </a:extLst>
+          </p:cNvPr>
+          <p:cNvPicPr>
+            <a:picLocks noChangeAspect="1"/>
+          </p:cNvPicPr>
+          <p:nvPr/>
+        </p:nvPicPr>
+        <p:blipFill rotWithShape="1">
+          <a:blip r:embed="rId2">
+            <a:extLst>
+              <a:ext uri="{28A0092B-C50C-407E-A947-70E740481C1C}">
+                <a14:useLocalDpi xmlns:a14="http://schemas.microsoft.com/office/drawing/2010/main" val="0"/>
+              </a:ext>
+            </a:extLst>
+          </a:blip>
+          <a:srcRect b="16722"/>
+          <a:stretch/>
+        </p:blipFill>
+        <p:spPr>
+          <a:xfrm>
+            <a:off x="3123849" y="3256743"/>
+            <a:ext cx="6010102" cy="2620785"/>
+          </a:xfrm>
+          <a:prstGeom prst="rect">
+            <a:avLst/>
+          </a:prstGeom>
+          <a:ln>
+            <a:solidFill>
+              <a:schemeClr val="tx1"/>
+            </a:solidFill>
+          </a:ln>
+        </p:spPr>
+      </p:pic>
+      <p:sp>
+        <p:nvSpPr>
+          <p:cNvPr id="6" name="Textfeld 5">
+            <a:extLst>
+              <a:ext uri="{FF2B5EF4-FFF2-40B4-BE49-F238E27FC236}">
+                <a16:creationId xmlns:a16="http://schemas.microsoft.com/office/drawing/2014/main" id="{EE46BE10-618C-421E-89F9-6206D52C91E9}"/>
+              </a:ext>
+            </a:extLst>
+          </p:cNvPr>
+          <p:cNvSpPr txBox="1"/>
+          <p:nvPr/>
+        </p:nvSpPr>
+        <p:spPr>
+          <a:xfrm>
+            <a:off x="838200" y="6300316"/>
+            <a:ext cx="7978391" cy="738664"/>
+          </a:xfrm>
+          <a:prstGeom prst="rect">
+            <a:avLst/>
+          </a:prstGeom>
+          <a:noFill/>
+        </p:spPr>
+        <p:txBody>
+          <a:bodyPr wrap="square" rtlCol="0">
+            <a:spAutoFit/>
+          </a:bodyPr>
+          <a:lstStyle/>
+          <a:p>
+            <a:r>
+              <a:rPr lang="de-DE" sz="1200" baseline="30000" dirty="0">
+                <a:latin typeface="Arial" panose="020B0604020202020204" pitchFamily="34" charset="0"/>
+                <a:cs typeface="Arial" panose="020B0604020202020204" pitchFamily="34" charset="0"/>
+              </a:rPr>
+              <a:t>1</a:t>
+            </a:r>
+            <a:r>
+              <a:rPr lang="de-DE" sz="1200" dirty="0">
+                <a:latin typeface="Arial" panose="020B0604020202020204" pitchFamily="34" charset="0"/>
+                <a:cs typeface="Arial" panose="020B0604020202020204" pitchFamily="34" charset="0"/>
+              </a:rPr>
+              <a:t> vgl. https://www.startupvalley.news/de/8vance-der-personalvermittler-der-zukunft-bekommt-millioneninvestition/</a:t>
+            </a:r>
+          </a:p>
+          <a:p>
+            <a:r>
+              <a:rPr lang="de-DE" sz="1200" baseline="30000" dirty="0">
+                <a:latin typeface="Arial" panose="020B0604020202020204" pitchFamily="34" charset="0"/>
+                <a:cs typeface="Arial" panose="020B0604020202020204" pitchFamily="34" charset="0"/>
+              </a:rPr>
+              <a:t>2</a:t>
+            </a:r>
+            <a:r>
+              <a:rPr lang="de-DE" sz="1200" dirty="0">
+                <a:latin typeface="Arial" panose="020B0604020202020204" pitchFamily="34" charset="0"/>
+                <a:cs typeface="Arial" panose="020B0604020202020204" pitchFamily="34" charset="0"/>
+              </a:rPr>
+              <a:t> vgl. https://www.kickstarter.com/projects/hanstoffels/aima-the-virtual-career-coach-with-artificial-inte?ref=k5gv4u</a:t>
+            </a:r>
+          </a:p>
+          <a:p>
+            <a:endParaRPr lang="de-DE" dirty="0">
+              <a:latin typeface="Arial" panose="020B0604020202020204" pitchFamily="34" charset="0"/>
+              <a:cs typeface="Arial" panose="020B0604020202020204" pitchFamily="34" charset="0"/>
+            </a:endParaRPr>
+          </a:p>
+        </p:txBody>
+      </p:sp>
+      <p:sp>
+        <p:nvSpPr>
+          <p:cNvPr id="7" name="Textfeld 6">
+            <a:extLst>
+              <a:ext uri="{FF2B5EF4-FFF2-40B4-BE49-F238E27FC236}">
+                <a16:creationId xmlns:a16="http://schemas.microsoft.com/office/drawing/2014/main" id="{22D8F7C3-FC81-4DAD-82A6-5EADA41A7B5B}"/>
+              </a:ext>
+            </a:extLst>
+          </p:cNvPr>
+          <p:cNvSpPr txBox="1"/>
+          <p:nvPr/>
+        </p:nvSpPr>
+        <p:spPr>
+          <a:xfrm>
+            <a:off x="3123849" y="5877528"/>
+            <a:ext cx="8572432" cy="230832"/>
+          </a:xfrm>
+          <a:prstGeom prst="rect">
+            <a:avLst/>
+          </a:prstGeom>
+          <a:noFill/>
+        </p:spPr>
+        <p:txBody>
+          <a:bodyPr wrap="square" rtlCol="0">
+            <a:spAutoFit/>
+          </a:bodyPr>
+          <a:lstStyle/>
+          <a:p>
+            <a:r>
+              <a:rPr lang="de-DE" sz="900" dirty="0">
+                <a:latin typeface="Arial" panose="020B0604020202020204" pitchFamily="34" charset="0"/>
+                <a:cs typeface="Arial" panose="020B0604020202020204" pitchFamily="34" charset="0"/>
+              </a:rPr>
+              <a:t>Quelle: https://www.kickstarter.com/projects/hanstoffels/aima-the-virtual-career-coach-with-artificial-inte?ref=k5gv4u</a:t>
+            </a:r>
+          </a:p>
+        </p:txBody>
+      </p:sp>
+    </p:spTree>
+    <p:extLst>
+      <p:ext uri="{BB962C8B-B14F-4D97-AF65-F5344CB8AC3E}">
+        <p14:creationId xmlns:p14="http://schemas.microsoft.com/office/powerpoint/2010/main" val="3496327343"/>
+      </p:ext>
+    </p:extLst>
+  </p:cSld>
+  <p:clrMapOvr>
+    <a:masterClrMapping/>
+  </p:clrMapOvr>
+</p:sld>
+</file>
+
+<file path=ppt/slides/slide12.xml><?xml version="1.0" encoding="utf-8"?>
+<p:sld xmlns:a="http://schemas.openxmlformats.org/drawingml/2006/main" xmlns:r="http://schemas.openxmlformats.org/officeDocument/2006/relationships" xmlns:p="http://schemas.openxmlformats.org/presentationml/2006/main">
+  <p:cSld>
+    <p:spTree>
+      <p:nvGrpSpPr>
+        <p:cNvPr id="1" name=""/>
+        <p:cNvGrpSpPr/>
+        <p:nvPr/>
+      </p:nvGrpSpPr>
+      <p:grpSpPr>
+        <a:xfrm>
+          <a:off x="0" y="0"/>
+          <a:ext cx="0" cy="0"/>
+          <a:chOff x="0" y="0"/>
+          <a:chExt cx="0" cy="0"/>
+        </a:xfrm>
+      </p:grpSpPr>
+      <p:sp>
+        <p:nvSpPr>
+          <p:cNvPr id="2" name="Titel 1">
+            <a:extLst>
+              <a:ext uri="{FF2B5EF4-FFF2-40B4-BE49-F238E27FC236}">
+                <a16:creationId xmlns:a16="http://schemas.microsoft.com/office/drawing/2014/main" id="{A5342C72-4297-461E-8FDE-4482E8CAF7B5}"/>
+              </a:ext>
+            </a:extLst>
+          </p:cNvPr>
+          <p:cNvSpPr>
+            <a:spLocks noGrp="1"/>
+          </p:cNvSpPr>
+          <p:nvPr>
+            <p:ph type="title"/>
+          </p:nvPr>
+        </p:nvSpPr>
+        <p:spPr/>
+        <p:txBody>
+          <a:bodyPr/>
+          <a:lstStyle/>
+          <a:p>
+            <a:r>
+              <a:rPr lang="de-DE" dirty="0">
+                <a:latin typeface="Arial" panose="020B0604020202020204" pitchFamily="34" charset="0"/>
+                <a:cs typeface="Arial" panose="020B0604020202020204" pitchFamily="34" charset="0"/>
+              </a:rPr>
+              <a:t>„Klassisches“ Headhunting</a:t>
+            </a:r>
+          </a:p>
+        </p:txBody>
+      </p:sp>
+      <p:sp>
+        <p:nvSpPr>
+          <p:cNvPr id="3" name="Inhaltsplatzhalter 2">
+            <a:extLst>
+              <a:ext uri="{FF2B5EF4-FFF2-40B4-BE49-F238E27FC236}">
+                <a16:creationId xmlns:a16="http://schemas.microsoft.com/office/drawing/2014/main" id="{F8B0A78B-07B4-4531-AD82-083ABFF4BB3E}"/>
+              </a:ext>
+            </a:extLst>
+          </p:cNvPr>
+          <p:cNvSpPr>
+            <a:spLocks noGrp="1"/>
+          </p:cNvSpPr>
+          <p:nvPr>
+            <p:ph idx="1"/>
+          </p:nvPr>
+        </p:nvSpPr>
+        <p:spPr>
+          <a:xfrm>
+            <a:off x="838200" y="1825625"/>
+            <a:ext cx="10515600" cy="4351338"/>
+          </a:xfrm>
+        </p:spPr>
+        <p:txBody>
+          <a:bodyPr/>
+          <a:lstStyle/>
+          <a:p>
+            <a:r>
+              <a:rPr lang="de-DE" dirty="0">
+                <a:latin typeface="Arial" panose="020B0604020202020204" pitchFamily="34" charset="0"/>
+                <a:cs typeface="Arial" panose="020B0604020202020204" pitchFamily="34" charset="0"/>
+              </a:rPr>
+              <a:t>Externe Personalberater</a:t>
+            </a:r>
+          </a:p>
+          <a:p>
+            <a:r>
+              <a:rPr lang="de-DE" dirty="0">
+                <a:latin typeface="Arial" panose="020B0604020202020204" pitchFamily="34" charset="0"/>
+                <a:cs typeface="Arial" panose="020B0604020202020204" pitchFamily="34" charset="0"/>
+              </a:rPr>
+              <a:t>Im Auftrag von Unternehmen</a:t>
+            </a:r>
+          </a:p>
+          <a:p>
+            <a:r>
+              <a:rPr lang="de-DE" dirty="0">
+                <a:latin typeface="Arial" panose="020B0604020202020204" pitchFamily="34" charset="0"/>
+                <a:cs typeface="Arial" panose="020B0604020202020204" pitchFamily="34" charset="0"/>
+              </a:rPr>
+              <a:t>Direktansprache (</a:t>
+            </a:r>
+            <a:r>
+              <a:rPr lang="de-DE" dirty="0" err="1">
+                <a:latin typeface="Arial" panose="020B0604020202020204" pitchFamily="34" charset="0"/>
+                <a:cs typeface="Arial" panose="020B0604020202020204" pitchFamily="34" charset="0"/>
+              </a:rPr>
+              <a:t>direct</a:t>
+            </a:r>
+            <a:r>
+              <a:rPr lang="de-DE" dirty="0">
+                <a:latin typeface="Arial" panose="020B0604020202020204" pitchFamily="34" charset="0"/>
+                <a:cs typeface="Arial" panose="020B0604020202020204" pitchFamily="34" charset="0"/>
+              </a:rPr>
+              <a:t> </a:t>
+            </a:r>
+            <a:r>
+              <a:rPr lang="de-DE" dirty="0" err="1">
+                <a:latin typeface="Arial" panose="020B0604020202020204" pitchFamily="34" charset="0"/>
+                <a:cs typeface="Arial" panose="020B0604020202020204" pitchFamily="34" charset="0"/>
+              </a:rPr>
+              <a:t>search</a:t>
+            </a:r>
+            <a:r>
+              <a:rPr lang="de-DE" dirty="0">
+                <a:latin typeface="Arial" panose="020B0604020202020204" pitchFamily="34" charset="0"/>
+                <a:cs typeface="Arial" panose="020B0604020202020204" pitchFamily="34" charset="0"/>
+              </a:rPr>
+              <a:t>)</a:t>
+            </a:r>
+          </a:p>
+          <a:p>
+            <a:r>
+              <a:rPr lang="de-DE" dirty="0">
+                <a:latin typeface="Arial" panose="020B0604020202020204" pitchFamily="34" charset="0"/>
+                <a:cs typeface="Arial" panose="020B0604020202020204" pitchFamily="34" charset="0"/>
+              </a:rPr>
+              <a:t>Gezielte „Jagd“</a:t>
+            </a:r>
+          </a:p>
+          <a:p>
+            <a:r>
+              <a:rPr lang="de-DE" dirty="0">
+                <a:latin typeface="Arial" panose="020B0604020202020204" pitchFamily="34" charset="0"/>
+                <a:cs typeface="Arial" panose="020B0604020202020204" pitchFamily="34" charset="0"/>
+              </a:rPr>
+              <a:t>=&gt; Abwerben von Fachkräften</a:t>
+            </a:r>
+          </a:p>
+          <a:p>
+            <a:pPr marL="0" indent="0">
+              <a:buNone/>
+            </a:pPr>
+            <a:endParaRPr lang="de-DE" dirty="0">
+              <a:latin typeface="Arial" panose="020B0604020202020204" pitchFamily="34" charset="0"/>
+              <a:cs typeface="Arial" panose="020B0604020202020204" pitchFamily="34" charset="0"/>
+            </a:endParaRPr>
+          </a:p>
+          <a:p>
+            <a:r>
+              <a:rPr lang="de-DE" dirty="0">
+                <a:latin typeface="Arial" panose="020B0604020202020204" pitchFamily="34" charset="0"/>
+                <a:cs typeface="Arial" panose="020B0604020202020204" pitchFamily="34" charset="0"/>
+              </a:rPr>
+              <a:t>Branche/Jahresumsatz von ca. 1,8 Milliarde Euro (Mai 2016)</a:t>
+            </a:r>
+            <a:r>
+              <a:rPr lang="de-DE" baseline="30000" dirty="0">
+                <a:latin typeface="Arial" panose="020B0604020202020204" pitchFamily="34" charset="0"/>
+                <a:cs typeface="Arial" panose="020B0604020202020204" pitchFamily="34" charset="0"/>
+              </a:rPr>
+              <a:t>1</a:t>
+            </a:r>
+          </a:p>
+        </p:txBody>
+      </p:sp>
+      <p:sp>
+        <p:nvSpPr>
+          <p:cNvPr id="4" name="Textfeld 3">
+            <a:extLst>
+              <a:ext uri="{FF2B5EF4-FFF2-40B4-BE49-F238E27FC236}">
+                <a16:creationId xmlns:a16="http://schemas.microsoft.com/office/drawing/2014/main" id="{7BF16038-530B-4CFF-A3AB-BBE63E050A48}"/>
+              </a:ext>
+            </a:extLst>
+          </p:cNvPr>
+          <p:cNvSpPr txBox="1"/>
+          <p:nvPr/>
+        </p:nvSpPr>
+        <p:spPr>
+          <a:xfrm>
+            <a:off x="838200" y="6189044"/>
+            <a:ext cx="9528208" cy="276999"/>
+          </a:xfrm>
+          <a:prstGeom prst="rect">
+            <a:avLst/>
+          </a:prstGeom>
+          <a:noFill/>
+        </p:spPr>
+        <p:txBody>
+          <a:bodyPr wrap="square" rtlCol="0">
+            <a:spAutoFit/>
+          </a:bodyPr>
+          <a:lstStyle/>
+          <a:p>
+            <a:r>
+              <a:rPr lang="de-DE" sz="1200" baseline="30000" dirty="0">
+                <a:latin typeface="Arial" panose="020B0604020202020204" pitchFamily="34" charset="0"/>
+                <a:cs typeface="Arial" panose="020B0604020202020204" pitchFamily="34" charset="0"/>
+              </a:rPr>
+              <a:t>1</a:t>
+            </a:r>
+            <a:r>
+              <a:rPr lang="de-DE" sz="1200" dirty="0">
+                <a:latin typeface="Arial" panose="020B0604020202020204" pitchFamily="34" charset="0"/>
+                <a:cs typeface="Arial" panose="020B0604020202020204" pitchFamily="34" charset="0"/>
+              </a:rPr>
+              <a:t> BDU (2016), S. 1 https://www.bdu.de/media/195021/ergebnisse-marktstudie-personalberatung-2016.pdf</a:t>
+            </a:r>
+          </a:p>
+        </p:txBody>
+      </p:sp>
+    </p:spTree>
+    <p:extLst>
+      <p:ext uri="{BB962C8B-B14F-4D97-AF65-F5344CB8AC3E}">
+        <p14:creationId xmlns:p14="http://schemas.microsoft.com/office/powerpoint/2010/main" val="3182306922"/>
+      </p:ext>
+    </p:extLst>
+  </p:cSld>
+  <p:clrMapOvr>
+    <a:masterClrMapping/>
+  </p:clrMapOvr>
+</p:sld>
+</file>
+
+<file path=ppt/slides/slide13.xml><?xml version="1.0" encoding="utf-8"?>
+<p:sld xmlns:a="http://schemas.openxmlformats.org/drawingml/2006/main" xmlns:r="http://schemas.openxmlformats.org/officeDocument/2006/relationships" xmlns:p="http://schemas.openxmlformats.org/presentationml/2006/main">
+  <p:cSld>
+    <p:spTree>
+      <p:nvGrpSpPr>
+        <p:cNvPr id="1" name=""/>
+        <p:cNvGrpSpPr/>
+        <p:nvPr/>
+      </p:nvGrpSpPr>
+      <p:grpSpPr>
+        <a:xfrm>
+          <a:off x="0" y="0"/>
+          <a:ext cx="0" cy="0"/>
+          <a:chOff x="0" y="0"/>
+          <a:chExt cx="0" cy="0"/>
+        </a:xfrm>
+      </p:grpSpPr>
+      <p:sp>
+        <p:nvSpPr>
+          <p:cNvPr id="2" name="Titel 1">
+            <a:extLst>
+              <a:ext uri="{FF2B5EF4-FFF2-40B4-BE49-F238E27FC236}">
+                <a16:creationId xmlns:a16="http://schemas.microsoft.com/office/drawing/2014/main" id="{4DF45354-7B19-4C8A-A43B-AB85AA0B630F}"/>
+              </a:ext>
+            </a:extLst>
+          </p:cNvPr>
+          <p:cNvSpPr>
+            <a:spLocks noGrp="1"/>
+          </p:cNvSpPr>
+          <p:nvPr>
+            <p:ph type="title"/>
+          </p:nvPr>
+        </p:nvSpPr>
+        <p:spPr/>
+        <p:txBody>
+          <a:bodyPr/>
+          <a:lstStyle/>
+          <a:p>
+            <a:r>
+              <a:rPr lang="de-DE" dirty="0">
+                <a:latin typeface="Arial" panose="020B0604020202020204" pitchFamily="34" charset="0"/>
+                <a:cs typeface="Arial" panose="020B0604020202020204" pitchFamily="34" charset="0"/>
+              </a:rPr>
+              <a:t>„Klassisches“ Headhunting</a:t>
+            </a:r>
+          </a:p>
+        </p:txBody>
+      </p:sp>
+      <p:sp>
+        <p:nvSpPr>
+          <p:cNvPr id="3" name="Inhaltsplatzhalter 2">
+            <a:extLst>
+              <a:ext uri="{FF2B5EF4-FFF2-40B4-BE49-F238E27FC236}">
+                <a16:creationId xmlns:a16="http://schemas.microsoft.com/office/drawing/2014/main" id="{B512E456-3F3B-426A-9C88-EE946208890C}"/>
+              </a:ext>
+            </a:extLst>
+          </p:cNvPr>
+          <p:cNvSpPr>
+            <a:spLocks noGrp="1"/>
+          </p:cNvSpPr>
+          <p:nvPr>
+            <p:ph idx="1"/>
+          </p:nvPr>
+        </p:nvSpPr>
+        <p:spPr/>
+        <p:txBody>
+          <a:bodyPr/>
+          <a:lstStyle/>
+          <a:p>
+            <a:pPr marL="0" indent="0">
+              <a:buNone/>
+            </a:pPr>
+            <a:r>
+              <a:rPr lang="de-DE" dirty="0">
+                <a:latin typeface="Arial" panose="020B0604020202020204" pitchFamily="34" charset="0"/>
+                <a:cs typeface="Arial" panose="020B0604020202020204" pitchFamily="34" charset="0"/>
+              </a:rPr>
+              <a:t>Honorargestaltung</a:t>
+            </a:r>
+          </a:p>
+          <a:p>
+            <a:r>
+              <a:rPr lang="de-DE" dirty="0">
+                <a:latin typeface="Arial" panose="020B0604020202020204" pitchFamily="34" charset="0"/>
+                <a:cs typeface="Arial" panose="020B0604020202020204" pitchFamily="34" charset="0"/>
+              </a:rPr>
+              <a:t>Stand: 2016</a:t>
+            </a:r>
+          </a:p>
+          <a:p>
+            <a:r>
+              <a:rPr lang="de-DE" dirty="0">
+                <a:latin typeface="Arial" panose="020B0604020202020204" pitchFamily="34" charset="0"/>
+                <a:cs typeface="Arial" panose="020B0604020202020204" pitchFamily="34" charset="0"/>
+              </a:rPr>
+              <a:t>Bezogen auf das Zieleinkommen</a:t>
+            </a:r>
+          </a:p>
+          <a:p>
+            <a:pPr marL="0" indent="0">
+              <a:buNone/>
+            </a:pPr>
+            <a:endParaRPr lang="de-DE" dirty="0">
+              <a:latin typeface="Arial" panose="020B0604020202020204" pitchFamily="34" charset="0"/>
+              <a:cs typeface="Arial" panose="020B0604020202020204" pitchFamily="34" charset="0"/>
+            </a:endParaRPr>
+          </a:p>
+          <a:p>
+            <a:pPr marL="0" indent="0">
+              <a:buNone/>
+            </a:pPr>
+            <a:endParaRPr lang="de-DE" dirty="0">
+              <a:latin typeface="Arial" panose="020B0604020202020204" pitchFamily="34" charset="0"/>
+              <a:cs typeface="Arial" panose="020B0604020202020204" pitchFamily="34" charset="0"/>
+            </a:endParaRPr>
+          </a:p>
+          <a:p>
+            <a:pPr marL="0" indent="0">
+              <a:buNone/>
+            </a:pPr>
+            <a:r>
+              <a:rPr lang="de-DE" dirty="0">
+                <a:latin typeface="Arial" panose="020B0604020202020204" pitchFamily="34" charset="0"/>
+                <a:cs typeface="Arial" panose="020B0604020202020204" pitchFamily="34" charset="0"/>
+              </a:rPr>
+              <a:t>	</a:t>
+            </a:r>
+          </a:p>
+          <a:p>
+            <a:pPr marL="0" indent="0">
+              <a:buNone/>
+            </a:pPr>
+            <a:endParaRPr lang="de-DE" dirty="0">
+              <a:latin typeface="Arial" panose="020B0604020202020204" pitchFamily="34" charset="0"/>
+              <a:cs typeface="Arial" panose="020B0604020202020204" pitchFamily="34" charset="0"/>
+            </a:endParaRPr>
+          </a:p>
+          <a:p>
+            <a:r>
+              <a:rPr lang="de-DE" dirty="0">
+                <a:latin typeface="Arial" panose="020B0604020202020204" pitchFamily="34" charset="0"/>
+                <a:cs typeface="Arial" panose="020B0604020202020204" pitchFamily="34" charset="0"/>
+              </a:rPr>
+              <a:t>Beispiel: 60.000 € Jahreseinkommen x 25,9 % = 15.540 €</a:t>
+            </a:r>
+          </a:p>
+        </p:txBody>
+      </p:sp>
+      <p:graphicFrame>
+        <p:nvGraphicFramePr>
+          <p:cNvPr id="4" name="Tabelle 3">
+            <a:extLst>
+              <a:ext uri="{FF2B5EF4-FFF2-40B4-BE49-F238E27FC236}">
+                <a16:creationId xmlns:a16="http://schemas.microsoft.com/office/drawing/2014/main" id="{1EF9F0DE-4191-4B29-B5AA-79F5CB7D0FE8}"/>
+              </a:ext>
+            </a:extLst>
+          </p:cNvPr>
+          <p:cNvGraphicFramePr>
+            <a:graphicFrameLocks noGrp="1"/>
+          </p:cNvGraphicFramePr>
+          <p:nvPr>
+            <p:extLst>
+              <p:ext uri="{D42A27DB-BD31-4B8C-83A1-F6EECF244321}">
+                <p14:modId xmlns:p14="http://schemas.microsoft.com/office/powerpoint/2010/main" val="746079776"/>
+              </p:ext>
+            </p:extLst>
+          </p:nvPr>
+        </p:nvGraphicFramePr>
+        <p:xfrm>
+          <a:off x="1178025" y="3406799"/>
+          <a:ext cx="9275012" cy="1010920"/>
+        </p:xfrm>
+        <a:graphic>
+          <a:graphicData uri="http://schemas.openxmlformats.org/drawingml/2006/table">
+            <a:tbl>
+              <a:tblPr firstRow="1" bandRow="1">
+                <a:tableStyleId>{5C22544A-7EE6-4342-B048-85BDC9FD1C3A}</a:tableStyleId>
+              </a:tblPr>
+              <a:tblGrid>
+                <a:gridCol w="2318753">
+                  <a:extLst>
+                    <a:ext uri="{9D8B030D-6E8A-4147-A177-3AD203B41FA5}">
+                      <a16:colId xmlns:a16="http://schemas.microsoft.com/office/drawing/2014/main" val="3539687097"/>
+                    </a:ext>
+                  </a:extLst>
+                </a:gridCol>
+                <a:gridCol w="2318753">
+                  <a:extLst>
+                    <a:ext uri="{9D8B030D-6E8A-4147-A177-3AD203B41FA5}">
+                      <a16:colId xmlns:a16="http://schemas.microsoft.com/office/drawing/2014/main" val="1642728336"/>
+                    </a:ext>
+                  </a:extLst>
+                </a:gridCol>
+                <a:gridCol w="2318753">
+                  <a:extLst>
+                    <a:ext uri="{9D8B030D-6E8A-4147-A177-3AD203B41FA5}">
+                      <a16:colId xmlns:a16="http://schemas.microsoft.com/office/drawing/2014/main" val="2238780405"/>
+                    </a:ext>
+                  </a:extLst>
+                </a:gridCol>
+                <a:gridCol w="2318753">
+                  <a:extLst>
+                    <a:ext uri="{9D8B030D-6E8A-4147-A177-3AD203B41FA5}">
+                      <a16:colId xmlns:a16="http://schemas.microsoft.com/office/drawing/2014/main" val="4188421662"/>
+                    </a:ext>
+                  </a:extLst>
+                </a:gridCol>
+              </a:tblGrid>
+              <a:tr h="370840">
+                <a:tc>
+                  <a:txBody>
+                    <a:bodyPr/>
+                    <a:lstStyle/>
+                    <a:p>
+                      <a:r>
+                        <a:rPr lang="de-DE" dirty="0"/>
+                        <a:t>Gesamtmarkt</a:t>
+                      </a:r>
+                    </a:p>
+                  </a:txBody>
+                  <a:tcPr/>
+                </a:tc>
+                <a:tc>
+                  <a:txBody>
+                    <a:bodyPr/>
+                    <a:lstStyle/>
+                    <a:p>
+                      <a:r>
+                        <a:rPr lang="de-DE" dirty="0"/>
+                        <a:t>Große Personalberater</a:t>
+                      </a:r>
+                    </a:p>
+                  </a:txBody>
+                  <a:tcPr/>
+                </a:tc>
+                <a:tc>
+                  <a:txBody>
+                    <a:bodyPr/>
+                    <a:lstStyle/>
+                    <a:p>
+                      <a:r>
+                        <a:rPr lang="de-DE" dirty="0"/>
+                        <a:t>Mittelgroße Personalberater</a:t>
+                      </a:r>
+                    </a:p>
+                  </a:txBody>
+                  <a:tcPr/>
+                </a:tc>
+                <a:tc>
+                  <a:txBody>
+                    <a:bodyPr/>
+                    <a:lstStyle/>
+                    <a:p>
+                      <a:r>
+                        <a:rPr lang="de-DE" dirty="0"/>
+                        <a:t>Kleinere Personalberater</a:t>
+                      </a:r>
+                    </a:p>
+                  </a:txBody>
+                  <a:tcPr/>
+                </a:tc>
+                <a:extLst>
+                  <a:ext uri="{0D108BD9-81ED-4DB2-BD59-A6C34878D82A}">
+                    <a16:rowId xmlns:a16="http://schemas.microsoft.com/office/drawing/2014/main" val="693537034"/>
+                  </a:ext>
+                </a:extLst>
+              </a:tr>
+              <a:tr h="370840">
+                <a:tc>
+                  <a:txBody>
+                    <a:bodyPr/>
+                    <a:lstStyle/>
+                    <a:p>
+                      <a:r>
+                        <a:rPr lang="de-DE" dirty="0"/>
+                        <a:t>25,9 %</a:t>
+                      </a:r>
+                    </a:p>
+                  </a:txBody>
+                  <a:tcPr/>
+                </a:tc>
+                <a:tc>
+                  <a:txBody>
+                    <a:bodyPr/>
+                    <a:lstStyle/>
+                    <a:p>
+                      <a:r>
+                        <a:rPr lang="de-DE" dirty="0"/>
+                        <a:t>27,5 %</a:t>
+                      </a:r>
+                    </a:p>
+                  </a:txBody>
+                  <a:tcPr/>
+                </a:tc>
+                <a:tc>
+                  <a:txBody>
+                    <a:bodyPr/>
+                    <a:lstStyle/>
+                    <a:p>
+                      <a:r>
+                        <a:rPr lang="de-DE" dirty="0"/>
+                        <a:t>26,30 %</a:t>
+                      </a:r>
+                    </a:p>
+                  </a:txBody>
+                  <a:tcPr/>
+                </a:tc>
+                <a:tc>
+                  <a:txBody>
+                    <a:bodyPr/>
+                    <a:lstStyle/>
+                    <a:p>
+                      <a:r>
+                        <a:rPr lang="de-DE" dirty="0"/>
+                        <a:t>23,50 %</a:t>
+                      </a:r>
+                    </a:p>
+                  </a:txBody>
+                  <a:tcPr/>
+                </a:tc>
+                <a:extLst>
+                  <a:ext uri="{0D108BD9-81ED-4DB2-BD59-A6C34878D82A}">
+                    <a16:rowId xmlns:a16="http://schemas.microsoft.com/office/drawing/2014/main" val="815465007"/>
+                  </a:ext>
+                </a:extLst>
+              </a:tr>
+            </a:tbl>
+          </a:graphicData>
+        </a:graphic>
+      </p:graphicFrame>
+      <p:sp>
+        <p:nvSpPr>
+          <p:cNvPr id="5" name="Textfeld 4">
+            <a:extLst>
+              <a:ext uri="{FF2B5EF4-FFF2-40B4-BE49-F238E27FC236}">
+                <a16:creationId xmlns:a16="http://schemas.microsoft.com/office/drawing/2014/main" id="{F03D11FC-DD22-4EB3-84FA-7CB56F9E5339}"/>
+              </a:ext>
+            </a:extLst>
+          </p:cNvPr>
+          <p:cNvSpPr txBox="1"/>
+          <p:nvPr/>
+        </p:nvSpPr>
+        <p:spPr>
+          <a:xfrm>
+            <a:off x="1117333" y="4417719"/>
+            <a:ext cx="9528208" cy="276999"/>
+          </a:xfrm>
+          <a:prstGeom prst="rect">
+            <a:avLst/>
+          </a:prstGeom>
+          <a:noFill/>
+        </p:spPr>
+        <p:txBody>
+          <a:bodyPr wrap="square" rtlCol="0">
+            <a:spAutoFit/>
+          </a:bodyPr>
+          <a:lstStyle/>
+          <a:p>
+            <a:r>
+              <a:rPr lang="de-DE" sz="1200" dirty="0">
+                <a:latin typeface="Arial" panose="020B0604020202020204" pitchFamily="34" charset="0"/>
+                <a:cs typeface="Arial" panose="020B0604020202020204" pitchFamily="34" charset="0"/>
+              </a:rPr>
+              <a:t>Quelle: BDU (2016), S. 9 https://www.bdu.de/media/296191/personalberatung-in-deutschland-2016.pdf</a:t>
+            </a:r>
+          </a:p>
+        </p:txBody>
+      </p:sp>
+    </p:spTree>
+    <p:extLst>
+      <p:ext uri="{BB962C8B-B14F-4D97-AF65-F5344CB8AC3E}">
+        <p14:creationId xmlns:p14="http://schemas.microsoft.com/office/powerpoint/2010/main" val="1438117098"/>
+      </p:ext>
+    </p:extLst>
+  </p:cSld>
+  <p:clrMapOvr>
+    <a:masterClrMapping/>
+  </p:clrMapOvr>
+</p:sld>
+</file>
+
+<file path=ppt/slides/slide14.xml><?xml version="1.0" encoding="utf-8"?>
+<p:sld xmlns:a="http://schemas.openxmlformats.org/drawingml/2006/main" xmlns:r="http://schemas.openxmlformats.org/officeDocument/2006/relationships" xmlns:p="http://schemas.openxmlformats.org/presentationml/2006/main">
+  <p:cSld>
+    <p:spTree>
+      <p:nvGrpSpPr>
+        <p:cNvPr id="1" name=""/>
+        <p:cNvGrpSpPr/>
+        <p:nvPr/>
+      </p:nvGrpSpPr>
+      <p:grpSpPr>
+        <a:xfrm>
+          <a:off x="0" y="0"/>
+          <a:ext cx="0" cy="0"/>
+          <a:chOff x="0" y="0"/>
+          <a:chExt cx="0" cy="0"/>
+        </a:xfrm>
+      </p:grpSpPr>
+      <p:sp>
+        <p:nvSpPr>
+          <p:cNvPr id="2" name="Titel 1">
+            <a:extLst>
+              <a:ext uri="{FF2B5EF4-FFF2-40B4-BE49-F238E27FC236}">
+                <a16:creationId xmlns:a16="http://schemas.microsoft.com/office/drawing/2014/main" id="{3818DA2A-96EA-4E18-A5A9-A9A8C4A94060}"/>
+              </a:ext>
+            </a:extLst>
+          </p:cNvPr>
+          <p:cNvSpPr>
+            <a:spLocks noGrp="1"/>
+          </p:cNvSpPr>
+          <p:nvPr>
+            <p:ph type="title"/>
+          </p:nvPr>
+        </p:nvSpPr>
+        <p:spPr/>
+        <p:txBody>
+          <a:bodyPr/>
+          <a:lstStyle/>
+          <a:p>
+            <a:r>
+              <a:rPr lang="de-DE" dirty="0">
+                <a:latin typeface="Arial" panose="020B0604020202020204" pitchFamily="34" charset="0"/>
+                <a:cs typeface="Arial" panose="020B0604020202020204" pitchFamily="34" charset="0"/>
+              </a:rPr>
+              <a:t>Vergleich</a:t>
+            </a:r>
+          </a:p>
+        </p:txBody>
+      </p:sp>
+      <p:sp>
+        <p:nvSpPr>
+          <p:cNvPr id="3" name="Inhaltsplatzhalter 2">
+            <a:extLst>
+              <a:ext uri="{FF2B5EF4-FFF2-40B4-BE49-F238E27FC236}">
+                <a16:creationId xmlns:a16="http://schemas.microsoft.com/office/drawing/2014/main" id="{0EE341E3-5FAF-462D-935E-CC08FDACA201}"/>
+              </a:ext>
+            </a:extLst>
+          </p:cNvPr>
+          <p:cNvSpPr>
+            <a:spLocks noGrp="1"/>
+          </p:cNvSpPr>
+          <p:nvPr>
+            <p:ph idx="1"/>
+          </p:nvPr>
+        </p:nvSpPr>
+        <p:spPr/>
+        <p:txBody>
+          <a:bodyPr/>
+          <a:lstStyle/>
+          <a:p>
+            <a:endParaRPr lang="de-DE" dirty="0">
+              <a:latin typeface="Arial" panose="020B0604020202020204" pitchFamily="34" charset="0"/>
+              <a:cs typeface="Arial" panose="020B0604020202020204" pitchFamily="34" charset="0"/>
+            </a:endParaRPr>
+          </a:p>
+        </p:txBody>
+      </p:sp>
+    </p:spTree>
+    <p:extLst>
+      <p:ext uri="{BB962C8B-B14F-4D97-AF65-F5344CB8AC3E}">
+        <p14:creationId xmlns:p14="http://schemas.microsoft.com/office/powerpoint/2010/main" val="2681642067"/>
+      </p:ext>
+    </p:extLst>
+  </p:cSld>
+  <p:clrMapOvr>
+    <a:masterClrMapping/>
+  </p:clrMapOvr>
+</p:sld>
+</file>
+
+<file path=ppt/slides/slide15.xml><?xml version="1.0" encoding="utf-8"?>
+<p:sld xmlns:a="http://schemas.openxmlformats.org/drawingml/2006/main" xmlns:r="http://schemas.openxmlformats.org/officeDocument/2006/relationships" xmlns:p="http://schemas.openxmlformats.org/presentationml/2006/main">
+  <p:cSld>
+    <p:spTree>
+      <p:nvGrpSpPr>
+        <p:cNvPr id="1" name=""/>
+        <p:cNvGrpSpPr/>
+        <p:nvPr/>
+      </p:nvGrpSpPr>
+      <p:grpSpPr>
+        <a:xfrm>
+          <a:off x="0" y="0"/>
+          <a:ext cx="0" cy="0"/>
+          <a:chOff x="0" y="0"/>
+          <a:chExt cx="0" cy="0"/>
+        </a:xfrm>
+      </p:grpSpPr>
+      <p:sp>
+        <p:nvSpPr>
+          <p:cNvPr id="2" name="Titel 1">
+            <a:extLst>
+              <a:ext uri="{FF2B5EF4-FFF2-40B4-BE49-F238E27FC236}">
+                <a16:creationId xmlns:a16="http://schemas.microsoft.com/office/drawing/2014/main" id="{E7192126-CF0F-4D1F-BA6A-24B91DF6E152}"/>
+              </a:ext>
+            </a:extLst>
+          </p:cNvPr>
+          <p:cNvSpPr>
+            <a:spLocks noGrp="1"/>
+          </p:cNvSpPr>
+          <p:nvPr>
+            <p:ph type="title"/>
+          </p:nvPr>
+        </p:nvSpPr>
+        <p:spPr/>
+        <p:txBody>
+          <a:bodyPr/>
+          <a:lstStyle/>
+          <a:p>
+            <a:r>
+              <a:rPr lang="de-DE" dirty="0"/>
+              <a:t>Fazit</a:t>
+            </a:r>
+          </a:p>
+        </p:txBody>
+      </p:sp>
+      <p:sp>
+        <p:nvSpPr>
+          <p:cNvPr id="3" name="Inhaltsplatzhalter 2">
+            <a:extLst>
+              <a:ext uri="{FF2B5EF4-FFF2-40B4-BE49-F238E27FC236}">
+                <a16:creationId xmlns:a16="http://schemas.microsoft.com/office/drawing/2014/main" id="{3E2FE89A-30AD-4F0D-A683-DFF56851727E}"/>
+              </a:ext>
+            </a:extLst>
+          </p:cNvPr>
+          <p:cNvSpPr>
+            <a:spLocks noGrp="1"/>
+          </p:cNvSpPr>
+          <p:nvPr>
+            <p:ph idx="1"/>
+          </p:nvPr>
+        </p:nvSpPr>
+        <p:spPr/>
+        <p:txBody>
+          <a:bodyPr/>
+          <a:lstStyle/>
+          <a:p>
+            <a:endParaRPr lang="de-DE"/>
+          </a:p>
+        </p:txBody>
+      </p:sp>
+    </p:spTree>
+    <p:extLst>
+      <p:ext uri="{BB962C8B-B14F-4D97-AF65-F5344CB8AC3E}">
+        <p14:creationId xmlns:p14="http://schemas.microsoft.com/office/powerpoint/2010/main" val="2648687329"/>
       </p:ext>
     </p:extLst>
   </p:cSld>
@@ -3478,7 +4705,10 @@
           <a:lstStyle/>
           <a:p>
             <a:r>
-              <a:rPr lang="de-DE" dirty="0"/>
+              <a:rPr lang="de-DE" dirty="0">
+                <a:latin typeface="Arial" panose="020B0604020202020204" pitchFamily="34" charset="0"/>
+                <a:cs typeface="Arial" panose="020B0604020202020204" pitchFamily="34" charset="0"/>
+              </a:rPr>
               <a:t>Agenda</a:t>
             </a:r>
           </a:p>
@@ -3506,38 +4736,48 @@
           <a:lstStyle/>
           <a:p>
             <a:r>
-              <a:rPr lang="de-DE" dirty="0"/>
+              <a:rPr lang="de-DE" dirty="0">
+                <a:latin typeface="Arial" panose="020B0604020202020204" pitchFamily="34" charset="0"/>
+                <a:cs typeface="Arial" panose="020B0604020202020204" pitchFamily="34" charset="0"/>
+              </a:rPr>
               <a:t>Vorstellung 8vance (Fakten, Zahlen, Kurzbeschreibung, …)</a:t>
             </a:r>
           </a:p>
           <a:p>
             <a:r>
-              <a:rPr lang="de-DE" dirty="0"/>
+              <a:rPr lang="de-DE" dirty="0">
+                <a:latin typeface="Arial" panose="020B0604020202020204" pitchFamily="34" charset="0"/>
+                <a:cs typeface="Arial" panose="020B0604020202020204" pitchFamily="34" charset="0"/>
+              </a:rPr>
               <a:t>Headhunting Definition, Statistiken</a:t>
             </a:r>
           </a:p>
           <a:p>
             <a:r>
-              <a:rPr lang="de-DE" dirty="0"/>
+              <a:rPr lang="de-DE" dirty="0">
+                <a:latin typeface="Arial" panose="020B0604020202020204" pitchFamily="34" charset="0"/>
+                <a:cs typeface="Arial" panose="020B0604020202020204" pitchFamily="34" charset="0"/>
+              </a:rPr>
               <a:t>Unterschied Headhunting &amp; 8vance (Services, Mehrwert)</a:t>
             </a:r>
           </a:p>
           <a:p>
             <a:r>
-              <a:rPr lang="de-DE" dirty="0"/>
+              <a:rPr lang="de-DE" dirty="0">
+                <a:latin typeface="Arial" panose="020B0604020202020204" pitchFamily="34" charset="0"/>
+                <a:cs typeface="Arial" panose="020B0604020202020204" pitchFamily="34" charset="0"/>
+              </a:rPr>
               <a:t>Reflexion</a:t>
             </a:r>
           </a:p>
           <a:p>
             <a:r>
-              <a:rPr lang="de-DE" dirty="0"/>
-              <a:t>Fazit </a:t>
-            </a:r>
-            <a:r>
-              <a:rPr lang="de-DE"/>
-              <a:t>/ Ausblick</a:t>
-            </a:r>
-            <a:endParaRPr lang="de-DE" dirty="0"/>
+              <a:rPr lang="de-DE" dirty="0">
+                <a:latin typeface="Arial" panose="020B0604020202020204" pitchFamily="34" charset="0"/>
+                <a:cs typeface="Arial" panose="020B0604020202020204" pitchFamily="34" charset="0"/>
+              </a:rPr>
+              <a:t>Fazit / Ausblick</a:t>
+            </a:r>
           </a:p>
         </p:txBody>
       </p:sp>
@@ -3593,7 +4833,10 @@
           <a:lstStyle/>
           <a:p>
             <a:r>
-              <a:rPr lang="de-DE" dirty="0"/>
+              <a:rPr lang="de-DE" dirty="0">
+                <a:latin typeface="Arial" panose="020B0604020202020204" pitchFamily="34" charset="0"/>
+                <a:cs typeface="Arial" panose="020B0604020202020204" pitchFamily="34" charset="0"/>
+              </a:rPr>
               <a:t>Daten und Fakten</a:t>
             </a:r>
           </a:p>
@@ -3621,40 +4864,61 @@
           <a:lstStyle/>
           <a:p>
             <a:r>
-              <a:rPr lang="de-DE" dirty="0"/>
+              <a:rPr lang="de-DE" dirty="0">
+                <a:latin typeface="Arial" panose="020B0604020202020204" pitchFamily="34" charset="0"/>
+                <a:cs typeface="Arial" panose="020B0604020202020204" pitchFamily="34" charset="0"/>
+              </a:rPr>
               <a:t>deutsch-niederländisches Startup</a:t>
             </a:r>
           </a:p>
           <a:p>
             <a:r>
-              <a:rPr lang="de-DE" dirty="0"/>
+              <a:rPr lang="de-DE" dirty="0">
+                <a:latin typeface="Arial" panose="020B0604020202020204" pitchFamily="34" charset="0"/>
+                <a:cs typeface="Arial" panose="020B0604020202020204" pitchFamily="34" charset="0"/>
+              </a:rPr>
               <a:t>Gegründet 2012</a:t>
             </a:r>
           </a:p>
           <a:p>
             <a:r>
-              <a:rPr lang="de-DE" dirty="0"/>
+              <a:rPr lang="de-DE" dirty="0">
+                <a:latin typeface="Arial" panose="020B0604020202020204" pitchFamily="34" charset="0"/>
+                <a:cs typeface="Arial" panose="020B0604020202020204" pitchFamily="34" charset="0"/>
+              </a:rPr>
               <a:t>Ansässig in den Niederlanden</a:t>
             </a:r>
           </a:p>
           <a:p>
             <a:r>
-              <a:rPr lang="de-DE" dirty="0"/>
+              <a:rPr lang="de-DE" dirty="0">
+                <a:latin typeface="Arial" panose="020B0604020202020204" pitchFamily="34" charset="0"/>
+                <a:cs typeface="Arial" panose="020B0604020202020204" pitchFamily="34" charset="0"/>
+              </a:rPr>
               <a:t>CEO: Han Stoffels</a:t>
             </a:r>
           </a:p>
           <a:p>
             <a:r>
-              <a:rPr lang="de-DE" dirty="0"/>
+              <a:rPr lang="de-DE" dirty="0">
+                <a:latin typeface="Arial" panose="020B0604020202020204" pitchFamily="34" charset="0"/>
+                <a:cs typeface="Arial" panose="020B0604020202020204" pitchFamily="34" charset="0"/>
+              </a:rPr>
               <a:t>Beschäftigte: 11 – 50</a:t>
             </a:r>
           </a:p>
           <a:p>
-            <a:endParaRPr lang="de-DE" dirty="0"/>
-          </a:p>
-          <a:p>
-            <a:r>
-              <a:rPr lang="de-DE" dirty="0"/>
+            <a:endParaRPr lang="de-DE" dirty="0">
+              <a:latin typeface="Arial" panose="020B0604020202020204" pitchFamily="34" charset="0"/>
+              <a:cs typeface="Arial" panose="020B0604020202020204" pitchFamily="34" charset="0"/>
+            </a:endParaRPr>
+          </a:p>
+          <a:p>
+            <a:r>
+              <a:rPr lang="de-DE" dirty="0">
+                <a:latin typeface="Arial" panose="020B0604020202020204" pitchFamily="34" charset="0"/>
+                <a:cs typeface="Arial" panose="020B0604020202020204" pitchFamily="34" charset="0"/>
+              </a:rPr>
               <a:t>Kerngeschäft: Personalvermittler</a:t>
             </a:r>
           </a:p>
@@ -3662,13 +4926,19 @@
             <a:pPr marL="0" indent="0">
               <a:buNone/>
             </a:pPr>
-            <a:endParaRPr lang="de-DE" dirty="0"/>
+            <a:endParaRPr lang="de-DE" dirty="0">
+              <a:latin typeface="Arial" panose="020B0604020202020204" pitchFamily="34" charset="0"/>
+              <a:cs typeface="Arial" panose="020B0604020202020204" pitchFamily="34" charset="0"/>
+            </a:endParaRPr>
           </a:p>
           <a:p>
             <a:pPr marL="0" indent="0">
               <a:buNone/>
             </a:pPr>
-            <a:endParaRPr lang="de-DE" dirty="0"/>
+            <a:endParaRPr lang="de-DE" dirty="0">
+              <a:latin typeface="Arial" panose="020B0604020202020204" pitchFamily="34" charset="0"/>
+              <a:cs typeface="Arial" panose="020B0604020202020204" pitchFamily="34" charset="0"/>
+            </a:endParaRPr>
           </a:p>
         </p:txBody>
       </p:sp>
@@ -3707,7 +4977,7 @@
           <p:cNvPr id="2" name="Titel 1">
             <a:extLst>
               <a:ext uri="{FF2B5EF4-FFF2-40B4-BE49-F238E27FC236}">
-                <a16:creationId xmlns:a16="http://schemas.microsoft.com/office/drawing/2014/main" id="{CFCD7B75-020C-4B05-97F7-F79EA9E1DDB3}"/>
+                <a16:creationId xmlns:a16="http://schemas.microsoft.com/office/drawing/2014/main" id="{99731C91-B923-4FDE-A7F5-B291EED71FAF}"/>
               </a:ext>
             </a:extLst>
           </p:cNvPr>
@@ -3724,8 +4994,11 @@
           <a:lstStyle/>
           <a:p>
             <a:r>
-              <a:rPr lang="de-DE" dirty="0"/>
-              <a:t>Kern von 8vance</a:t>
+              <a:rPr lang="de-DE" dirty="0">
+                <a:latin typeface="Arial" panose="020B0604020202020204" pitchFamily="34" charset="0"/>
+                <a:cs typeface="Arial" panose="020B0604020202020204" pitchFamily="34" charset="0"/>
+              </a:rPr>
+              <a:t>Dienstleistungen</a:t>
             </a:r>
           </a:p>
         </p:txBody>
@@ -3735,7 +5008,7 @@
           <p:cNvPr id="3" name="Inhaltsplatzhalter 2">
             <a:extLst>
               <a:ext uri="{FF2B5EF4-FFF2-40B4-BE49-F238E27FC236}">
-                <a16:creationId xmlns:a16="http://schemas.microsoft.com/office/drawing/2014/main" id="{57DACF81-782C-4E7E-B636-B4D4A4B47E42}"/>
+                <a16:creationId xmlns:a16="http://schemas.microsoft.com/office/drawing/2014/main" id="{27A7ABEF-71F1-4FA0-AB92-5C6E3D23262D}"/>
               </a:ext>
             </a:extLst>
           </p:cNvPr>
@@ -3746,59 +5019,148 @@
             <p:ph idx="1"/>
           </p:nvPr>
         </p:nvSpPr>
-        <p:spPr/>
-        <p:txBody>
-          <a:bodyPr/>
-          <a:lstStyle/>
-          <a:p>
-            <a:r>
-              <a:rPr lang="de-DE" dirty="0"/>
-              <a:t>AIMA (</a:t>
-            </a:r>
-            <a:r>
-              <a:rPr lang="de-DE" dirty="0" err="1"/>
-              <a:t>Automatic</a:t>
-            </a:r>
-            <a:r>
-              <a:rPr lang="de-DE" dirty="0"/>
-              <a:t> Intelligent </a:t>
-            </a:r>
-            <a:r>
-              <a:rPr lang="de-DE" dirty="0" err="1"/>
+        <p:spPr>
+          <a:xfrm>
+            <a:off x="838200" y="1825625"/>
+            <a:ext cx="5485598" cy="1466215"/>
+          </a:xfrm>
+        </p:spPr>
+        <p:txBody>
+          <a:bodyPr>
+            <a:normAutofit lnSpcReduction="10000"/>
+          </a:bodyPr>
+          <a:lstStyle/>
+          <a:p>
+            <a:r>
+              <a:rPr lang="de-DE" dirty="0">
+                <a:latin typeface="Arial" panose="020B0604020202020204" pitchFamily="34" charset="0"/>
+                <a:cs typeface="Arial" panose="020B0604020202020204" pitchFamily="34" charset="0"/>
+              </a:rPr>
+              <a:t>Eigenes Profil (Deep </a:t>
+            </a:r>
+            <a:r>
+              <a:rPr lang="de-DE" dirty="0" err="1">
+                <a:latin typeface="Arial" panose="020B0604020202020204" pitchFamily="34" charset="0"/>
+                <a:cs typeface="Arial" panose="020B0604020202020204" pitchFamily="34" charset="0"/>
+              </a:rPr>
               <a:t>Matching</a:t>
             </a:r>
             <a:r>
-              <a:rPr lang="de-DE" dirty="0"/>
-              <a:t> Agent)</a:t>
-            </a:r>
-          </a:p>
-          <a:p>
-            <a:r>
-              <a:rPr lang="de-DE" dirty="0"/>
-              <a:t>Durchsucht das Internet nach passenden Kandidaten</a:t>
-            </a:r>
-          </a:p>
-          <a:p>
-            <a:r>
-              <a:rPr lang="de-DE" dirty="0"/>
-              <a:t>Verwendet Big Data und Künstliche Intelligenz</a:t>
-            </a:r>
-          </a:p>
-          <a:p>
-            <a:r>
-              <a:rPr lang="de-DE" dirty="0"/>
-              <a:t>Vergleicht auch Soft Skills</a:t>
-            </a:r>
-          </a:p>
-          <a:p>
-            <a:endParaRPr lang="de-DE" dirty="0"/>
+              <a:rPr lang="de-DE" dirty="0">
+                <a:latin typeface="Arial" panose="020B0604020202020204" pitchFamily="34" charset="0"/>
+                <a:cs typeface="Arial" panose="020B0604020202020204" pitchFamily="34" charset="0"/>
+              </a:rPr>
+              <a:t>)</a:t>
+            </a:r>
+          </a:p>
+          <a:p>
+            <a:r>
+              <a:rPr lang="de-DE" dirty="0">
+                <a:latin typeface="Arial" panose="020B0604020202020204" pitchFamily="34" charset="0"/>
+                <a:cs typeface="Arial" panose="020B0604020202020204" pitchFamily="34" charset="0"/>
+              </a:rPr>
+              <a:t>Persönlichkeitstest</a:t>
+            </a:r>
+          </a:p>
+          <a:p>
+            <a:r>
+              <a:rPr lang="de-DE" dirty="0">
+                <a:latin typeface="Arial" panose="020B0604020202020204" pitchFamily="34" charset="0"/>
+                <a:cs typeface="Arial" panose="020B0604020202020204" pitchFamily="34" charset="0"/>
+              </a:rPr>
+              <a:t>Harte und weiche Fähigkeiten</a:t>
+            </a:r>
+          </a:p>
+          <a:p>
+            <a:endParaRPr lang="de-DE" dirty="0">
+              <a:latin typeface="Arial" panose="020B0604020202020204" pitchFamily="34" charset="0"/>
+              <a:cs typeface="Arial" panose="020B0604020202020204" pitchFamily="34" charset="0"/>
+            </a:endParaRPr>
+          </a:p>
+        </p:txBody>
+      </p:sp>
+      <p:pic>
+        <p:nvPicPr>
+          <p:cNvPr id="5" name="Grafik 4">
+            <a:extLst>
+              <a:ext uri="{FF2B5EF4-FFF2-40B4-BE49-F238E27FC236}">
+                <a16:creationId xmlns:a16="http://schemas.microsoft.com/office/drawing/2014/main" id="{EA7361B4-365B-49BA-9D44-CBAB90D27107}"/>
+              </a:ext>
+            </a:extLst>
+          </p:cNvPr>
+          <p:cNvPicPr>
+            <a:picLocks noChangeAspect="1"/>
+          </p:cNvPicPr>
+          <p:nvPr/>
+        </p:nvPicPr>
+        <p:blipFill rotWithShape="1">
+          <a:blip r:embed="rId2">
+            <a:extLst>
+              <a:ext uri="{28A0092B-C50C-407E-A947-70E740481C1C}">
+                <a14:useLocalDpi xmlns:a14="http://schemas.microsoft.com/office/drawing/2010/main" val="0"/>
+              </a:ext>
+            </a:extLst>
+          </a:blip>
+          <a:srcRect l="1772"/>
+          <a:stretch/>
+        </p:blipFill>
+        <p:spPr>
+          <a:xfrm>
+            <a:off x="6323798" y="1245890"/>
+            <a:ext cx="5533111" cy="5014233"/>
+          </a:xfrm>
+          <a:prstGeom prst="rect">
+            <a:avLst/>
+          </a:prstGeom>
+          <a:ln>
+            <a:solidFill>
+              <a:schemeClr val="tx1"/>
+            </a:solidFill>
+          </a:ln>
+        </p:spPr>
+      </p:pic>
+      <p:sp>
+        <p:nvSpPr>
+          <p:cNvPr id="6" name="Textfeld 5">
+            <a:extLst>
+              <a:ext uri="{FF2B5EF4-FFF2-40B4-BE49-F238E27FC236}">
+                <a16:creationId xmlns:a16="http://schemas.microsoft.com/office/drawing/2014/main" id="{2DE4A21A-B38A-4083-AD1F-E1282A53339E}"/>
+              </a:ext>
+            </a:extLst>
+          </p:cNvPr>
+          <p:cNvSpPr txBox="1"/>
+          <p:nvPr/>
+        </p:nvSpPr>
+        <p:spPr>
+          <a:xfrm>
+            <a:off x="6323798" y="6260123"/>
+            <a:ext cx="5268880" cy="276999"/>
+          </a:xfrm>
+          <a:prstGeom prst="rect">
+            <a:avLst/>
+          </a:prstGeom>
+          <a:noFill/>
+        </p:spPr>
+        <p:txBody>
+          <a:bodyPr wrap="square" rtlCol="0">
+            <a:spAutoFit/>
+          </a:bodyPr>
+          <a:lstStyle/>
+          <a:p>
+            <a:r>
+              <a:rPr lang="de-DE" sz="1200" dirty="0">
+                <a:latin typeface="Arial" panose="020B0604020202020204" pitchFamily="34" charset="0"/>
+                <a:cs typeface="Arial" panose="020B0604020202020204" pitchFamily="34" charset="0"/>
+              </a:rPr>
+              <a:t>Quelle: https://app.8vance.com/talent/profile/#/talent    ??????</a:t>
+            </a:r>
           </a:p>
         </p:txBody>
       </p:sp>
     </p:spTree>
     <p:extLst>
       <p:ext uri="{BB962C8B-B14F-4D97-AF65-F5344CB8AC3E}">
-        <p14:creationId xmlns:p14="http://schemas.microsoft.com/office/powerpoint/2010/main" val="1082851739"/>
+        <p14:creationId xmlns:p14="http://schemas.microsoft.com/office/powerpoint/2010/main" val="427342490"/>
       </p:ext>
     </p:extLst>
   </p:cSld>
@@ -3830,6 +5192,359 @@
           <p:cNvPr id="2" name="Titel 1">
             <a:extLst>
               <a:ext uri="{FF2B5EF4-FFF2-40B4-BE49-F238E27FC236}">
+                <a16:creationId xmlns:a16="http://schemas.microsoft.com/office/drawing/2014/main" id="{08787B0A-69EA-4EF0-BAE5-F2FD18F5300E}"/>
+              </a:ext>
+            </a:extLst>
+          </p:cNvPr>
+          <p:cNvSpPr>
+            <a:spLocks noGrp="1"/>
+          </p:cNvSpPr>
+          <p:nvPr>
+            <p:ph type="title"/>
+          </p:nvPr>
+        </p:nvSpPr>
+        <p:spPr/>
+        <p:txBody>
+          <a:bodyPr/>
+          <a:lstStyle/>
+          <a:p>
+            <a:r>
+              <a:rPr lang="de-DE" dirty="0">
+                <a:latin typeface="Arial" panose="020B0604020202020204" pitchFamily="34" charset="0"/>
+                <a:cs typeface="Arial" panose="020B0604020202020204" pitchFamily="34" charset="0"/>
+              </a:rPr>
+              <a:t>Dienstleistungen</a:t>
+            </a:r>
+          </a:p>
+        </p:txBody>
+      </p:sp>
+      <p:sp>
+        <p:nvSpPr>
+          <p:cNvPr id="3" name="Inhaltsplatzhalter 2">
+            <a:extLst>
+              <a:ext uri="{FF2B5EF4-FFF2-40B4-BE49-F238E27FC236}">
+                <a16:creationId xmlns:a16="http://schemas.microsoft.com/office/drawing/2014/main" id="{C70D0ECF-446E-426D-A4C1-CA0364ACF9C1}"/>
+              </a:ext>
+            </a:extLst>
+          </p:cNvPr>
+          <p:cNvSpPr>
+            <a:spLocks noGrp="1"/>
+          </p:cNvSpPr>
+          <p:nvPr>
+            <p:ph idx="1"/>
+          </p:nvPr>
+        </p:nvSpPr>
+        <p:spPr/>
+        <p:txBody>
+          <a:bodyPr/>
+          <a:lstStyle/>
+          <a:p>
+            <a:r>
+              <a:rPr lang="de-DE" dirty="0">
+                <a:latin typeface="Arial" panose="020B0604020202020204" pitchFamily="34" charset="0"/>
+                <a:cs typeface="Arial" panose="020B0604020202020204" pitchFamily="34" charset="0"/>
+              </a:rPr>
+              <a:t>Personalisierte Kampagne</a:t>
+            </a:r>
+          </a:p>
+          <a:p>
+            <a:r>
+              <a:rPr lang="de-DE" dirty="0">
+                <a:latin typeface="Arial" panose="020B0604020202020204" pitchFamily="34" charset="0"/>
+                <a:cs typeface="Arial" panose="020B0604020202020204" pitchFamily="34" charset="0"/>
+              </a:rPr>
+              <a:t>Vakanz als Landing-Page</a:t>
+            </a:r>
+          </a:p>
+          <a:p>
+            <a:r>
+              <a:rPr lang="de-DE" dirty="0" err="1">
+                <a:latin typeface="Arial" panose="020B0604020202020204" pitchFamily="34" charset="0"/>
+                <a:cs typeface="Arial" panose="020B0604020202020204" pitchFamily="34" charset="0"/>
+              </a:rPr>
+              <a:t>Matching</a:t>
+            </a:r>
+            <a:r>
+              <a:rPr lang="de-DE" dirty="0">
+                <a:latin typeface="Arial" panose="020B0604020202020204" pitchFamily="34" charset="0"/>
+                <a:cs typeface="Arial" panose="020B0604020202020204" pitchFamily="34" charset="0"/>
+              </a:rPr>
+              <a:t> eigenes Profil</a:t>
+            </a:r>
+          </a:p>
+          <a:p>
+            <a:pPr marL="0" indent="0">
+              <a:buNone/>
+            </a:pPr>
+            <a:endParaRPr lang="de-DE" dirty="0">
+              <a:latin typeface="Arial" panose="020B0604020202020204" pitchFamily="34" charset="0"/>
+              <a:cs typeface="Arial" panose="020B0604020202020204" pitchFamily="34" charset="0"/>
+            </a:endParaRPr>
+          </a:p>
+        </p:txBody>
+      </p:sp>
+      <p:pic>
+        <p:nvPicPr>
+          <p:cNvPr id="5" name="Grafik 4">
+            <a:extLst>
+              <a:ext uri="{FF2B5EF4-FFF2-40B4-BE49-F238E27FC236}">
+                <a16:creationId xmlns:a16="http://schemas.microsoft.com/office/drawing/2014/main" id="{DAC6F9FF-2C4D-420C-BC63-1DE14C4CBC3E}"/>
+              </a:ext>
+            </a:extLst>
+          </p:cNvPr>
+          <p:cNvPicPr>
+            <a:picLocks noChangeAspect="1"/>
+          </p:cNvPicPr>
+          <p:nvPr/>
+        </p:nvPicPr>
+        <p:blipFill>
+          <a:blip r:embed="rId2">
+            <a:extLst>
+              <a:ext uri="{28A0092B-C50C-407E-A947-70E740481C1C}">
+                <a14:useLocalDpi xmlns:a14="http://schemas.microsoft.com/office/drawing/2010/main" val="0"/>
+              </a:ext>
+            </a:extLst>
+          </a:blip>
+          <a:stretch>
+            <a:fillRect/>
+          </a:stretch>
+        </p:blipFill>
+        <p:spPr>
+          <a:xfrm>
+            <a:off x="6327134" y="1690688"/>
+            <a:ext cx="5320224" cy="2991844"/>
+          </a:xfrm>
+          <a:prstGeom prst="rect">
+            <a:avLst/>
+          </a:prstGeom>
+        </p:spPr>
+      </p:pic>
+      <p:sp>
+        <p:nvSpPr>
+          <p:cNvPr id="6" name="Textfeld 5">
+            <a:extLst>
+              <a:ext uri="{FF2B5EF4-FFF2-40B4-BE49-F238E27FC236}">
+                <a16:creationId xmlns:a16="http://schemas.microsoft.com/office/drawing/2014/main" id="{CE14181D-E9BD-4BE0-9795-72FC2269D807}"/>
+              </a:ext>
+            </a:extLst>
+          </p:cNvPr>
+          <p:cNvSpPr txBox="1"/>
+          <p:nvPr/>
+        </p:nvSpPr>
+        <p:spPr>
+          <a:xfrm>
+            <a:off x="6327134" y="4682532"/>
+            <a:ext cx="5864866" cy="261610"/>
+          </a:xfrm>
+          <a:prstGeom prst="rect">
+            <a:avLst/>
+          </a:prstGeom>
+          <a:noFill/>
+        </p:spPr>
+        <p:txBody>
+          <a:bodyPr wrap="square" rtlCol="0">
+            <a:spAutoFit/>
+          </a:bodyPr>
+          <a:lstStyle/>
+          <a:p>
+            <a:r>
+              <a:rPr lang="de-DE" sz="1100" dirty="0">
+                <a:latin typeface="Arial" panose="020B0604020202020204" pitchFamily="34" charset="0"/>
+                <a:cs typeface="Arial" panose="020B0604020202020204" pitchFamily="34" charset="0"/>
+              </a:rPr>
+              <a:t>Quelle: https://8vance.com/wp-content/uploads/2016/07/8vance-wallpaperklein.jpg</a:t>
+            </a:r>
+          </a:p>
+        </p:txBody>
+      </p:sp>
+    </p:spTree>
+    <p:extLst>
+      <p:ext uri="{BB962C8B-B14F-4D97-AF65-F5344CB8AC3E}">
+        <p14:creationId xmlns:p14="http://schemas.microsoft.com/office/powerpoint/2010/main" val="1528097841"/>
+      </p:ext>
+    </p:extLst>
+  </p:cSld>
+  <p:clrMapOvr>
+    <a:masterClrMapping/>
+  </p:clrMapOvr>
+</p:sld>
+</file>
+
+<file path=ppt/slides/slide6.xml><?xml version="1.0" encoding="utf-8"?>
+<p:sld xmlns:a="http://schemas.openxmlformats.org/drawingml/2006/main" xmlns:r="http://schemas.openxmlformats.org/officeDocument/2006/relationships" xmlns:p="http://schemas.openxmlformats.org/presentationml/2006/main">
+  <p:cSld>
+    <p:spTree>
+      <p:nvGrpSpPr>
+        <p:cNvPr id="1" name=""/>
+        <p:cNvGrpSpPr/>
+        <p:nvPr/>
+      </p:nvGrpSpPr>
+      <p:grpSpPr>
+        <a:xfrm>
+          <a:off x="0" y="0"/>
+          <a:ext cx="0" cy="0"/>
+          <a:chOff x="0" y="0"/>
+          <a:chExt cx="0" cy="0"/>
+        </a:xfrm>
+      </p:grpSpPr>
+      <p:sp>
+        <p:nvSpPr>
+          <p:cNvPr id="2" name="Titel 1">
+            <a:extLst>
+              <a:ext uri="{FF2B5EF4-FFF2-40B4-BE49-F238E27FC236}">
+                <a16:creationId xmlns:a16="http://schemas.microsoft.com/office/drawing/2014/main" id="{CFCD7B75-020C-4B05-97F7-F79EA9E1DDB3}"/>
+              </a:ext>
+            </a:extLst>
+          </p:cNvPr>
+          <p:cNvSpPr>
+            <a:spLocks noGrp="1"/>
+          </p:cNvSpPr>
+          <p:nvPr>
+            <p:ph type="title"/>
+          </p:nvPr>
+        </p:nvSpPr>
+        <p:spPr/>
+        <p:txBody>
+          <a:bodyPr/>
+          <a:lstStyle/>
+          <a:p>
+            <a:r>
+              <a:rPr lang="de-DE" dirty="0">
+                <a:latin typeface="Arial" panose="020B0604020202020204" pitchFamily="34" charset="0"/>
+                <a:cs typeface="Arial" panose="020B0604020202020204" pitchFamily="34" charset="0"/>
+              </a:rPr>
+              <a:t>Kern von 8vance</a:t>
+            </a:r>
+          </a:p>
+        </p:txBody>
+      </p:sp>
+      <p:sp>
+        <p:nvSpPr>
+          <p:cNvPr id="3" name="Inhaltsplatzhalter 2">
+            <a:extLst>
+              <a:ext uri="{FF2B5EF4-FFF2-40B4-BE49-F238E27FC236}">
+                <a16:creationId xmlns:a16="http://schemas.microsoft.com/office/drawing/2014/main" id="{57DACF81-782C-4E7E-B636-B4D4A4B47E42}"/>
+              </a:ext>
+            </a:extLst>
+          </p:cNvPr>
+          <p:cNvSpPr>
+            <a:spLocks noGrp="1"/>
+          </p:cNvSpPr>
+          <p:nvPr>
+            <p:ph idx="1"/>
+          </p:nvPr>
+        </p:nvSpPr>
+        <p:spPr/>
+        <p:txBody>
+          <a:bodyPr/>
+          <a:lstStyle/>
+          <a:p>
+            <a:r>
+              <a:rPr lang="de-DE" dirty="0">
+                <a:latin typeface="Arial" panose="020B0604020202020204" pitchFamily="34" charset="0"/>
+                <a:cs typeface="Arial" panose="020B0604020202020204" pitchFamily="34" charset="0"/>
+              </a:rPr>
+              <a:t>AIMA (</a:t>
+            </a:r>
+            <a:r>
+              <a:rPr lang="de-DE" dirty="0" err="1">
+                <a:latin typeface="Arial" panose="020B0604020202020204" pitchFamily="34" charset="0"/>
+                <a:cs typeface="Arial" panose="020B0604020202020204" pitchFamily="34" charset="0"/>
+              </a:rPr>
+              <a:t>Automatic</a:t>
+            </a:r>
+            <a:r>
+              <a:rPr lang="de-DE" dirty="0">
+                <a:latin typeface="Arial" panose="020B0604020202020204" pitchFamily="34" charset="0"/>
+                <a:cs typeface="Arial" panose="020B0604020202020204" pitchFamily="34" charset="0"/>
+              </a:rPr>
+              <a:t> Intelligent </a:t>
+            </a:r>
+            <a:r>
+              <a:rPr lang="de-DE" dirty="0" err="1">
+                <a:latin typeface="Arial" panose="020B0604020202020204" pitchFamily="34" charset="0"/>
+                <a:cs typeface="Arial" panose="020B0604020202020204" pitchFamily="34" charset="0"/>
+              </a:rPr>
+              <a:t>Matching</a:t>
+            </a:r>
+            <a:r>
+              <a:rPr lang="de-DE" dirty="0">
+                <a:latin typeface="Arial" panose="020B0604020202020204" pitchFamily="34" charset="0"/>
+                <a:cs typeface="Arial" panose="020B0604020202020204" pitchFamily="34" charset="0"/>
+              </a:rPr>
+              <a:t> Agent)</a:t>
+            </a:r>
+          </a:p>
+          <a:p>
+            <a:r>
+              <a:rPr lang="de-DE" dirty="0">
+                <a:latin typeface="Arial" panose="020B0604020202020204" pitchFamily="34" charset="0"/>
+                <a:cs typeface="Arial" panose="020B0604020202020204" pitchFamily="34" charset="0"/>
+              </a:rPr>
+              <a:t>Durchsucht das Internet nach passenden Kandidaten</a:t>
+            </a:r>
+          </a:p>
+          <a:p>
+            <a:r>
+              <a:rPr lang="de-DE" dirty="0">
+                <a:latin typeface="Arial" panose="020B0604020202020204" pitchFamily="34" charset="0"/>
+                <a:cs typeface="Arial" panose="020B0604020202020204" pitchFamily="34" charset="0"/>
+              </a:rPr>
+              <a:t>Verwendet Big Data und Künstliche Intelligenz</a:t>
+            </a:r>
+          </a:p>
+          <a:p>
+            <a:r>
+              <a:rPr lang="de-DE" dirty="0">
+                <a:latin typeface="Arial" panose="020B0604020202020204" pitchFamily="34" charset="0"/>
+                <a:cs typeface="Arial" panose="020B0604020202020204" pitchFamily="34" charset="0"/>
+              </a:rPr>
+              <a:t>Vergleicht auch Soft Skills</a:t>
+            </a:r>
+          </a:p>
+          <a:p>
+            <a:endParaRPr lang="de-DE" dirty="0">
+              <a:latin typeface="Arial" panose="020B0604020202020204" pitchFamily="34" charset="0"/>
+              <a:cs typeface="Arial" panose="020B0604020202020204" pitchFamily="34" charset="0"/>
+            </a:endParaRPr>
+          </a:p>
+        </p:txBody>
+      </p:sp>
+    </p:spTree>
+    <p:extLst>
+      <p:ext uri="{BB962C8B-B14F-4D97-AF65-F5344CB8AC3E}">
+        <p14:creationId xmlns:p14="http://schemas.microsoft.com/office/powerpoint/2010/main" val="1082851739"/>
+      </p:ext>
+    </p:extLst>
+  </p:cSld>
+  <p:clrMapOvr>
+    <a:masterClrMapping/>
+  </p:clrMapOvr>
+</p:sld>
+</file>
+
+<file path=ppt/slides/slide7.xml><?xml version="1.0" encoding="utf-8"?>
+<p:sld xmlns:a="http://schemas.openxmlformats.org/drawingml/2006/main" xmlns:r="http://schemas.openxmlformats.org/officeDocument/2006/relationships" xmlns:p="http://schemas.openxmlformats.org/presentationml/2006/main">
+  <p:cSld>
+    <p:spTree>
+      <p:nvGrpSpPr>
+        <p:cNvPr id="1" name=""/>
+        <p:cNvGrpSpPr/>
+        <p:nvPr/>
+      </p:nvGrpSpPr>
+      <p:grpSpPr>
+        <a:xfrm>
+          <a:off x="0" y="0"/>
+          <a:ext cx="0" cy="0"/>
+          <a:chOff x="0" y="0"/>
+          <a:chExt cx="0" cy="0"/>
+        </a:xfrm>
+      </p:grpSpPr>
+      <p:sp>
+        <p:nvSpPr>
+          <p:cNvPr id="2" name="Titel 1">
+            <a:extLst>
+              <a:ext uri="{FF2B5EF4-FFF2-40B4-BE49-F238E27FC236}">
                 <a16:creationId xmlns:a16="http://schemas.microsoft.com/office/drawing/2014/main" id="{21179806-7702-43D5-96CC-0DC9F97398F6}"/>
               </a:ext>
             </a:extLst>
@@ -3847,7 +5562,10 @@
           <a:lstStyle/>
           <a:p>
             <a:r>
-              <a:rPr lang="de-DE" dirty="0"/>
+              <a:rPr lang="de-DE" dirty="0">
+                <a:latin typeface="Arial" panose="020B0604020202020204" pitchFamily="34" charset="0"/>
+                <a:cs typeface="Arial" panose="020B0604020202020204" pitchFamily="34" charset="0"/>
+              </a:rPr>
               <a:t>Dienstleistungen</a:t>
             </a:r>
           </a:p>
@@ -3896,7 +5614,10 @@
           <a:p>
             <a:pPr algn="r"/>
             <a:r>
-              <a:rPr lang="de-DE" dirty="0"/>
+              <a:rPr lang="de-DE" dirty="0">
+                <a:latin typeface="Arial" panose="020B0604020202020204" pitchFamily="34" charset="0"/>
+                <a:cs typeface="Arial" panose="020B0604020202020204" pitchFamily="34" charset="0"/>
+              </a:rPr>
               <a:t>Eigenes Unternehmen</a:t>
             </a:r>
           </a:p>
@@ -3929,7 +5650,10 @@
           <a:lstStyle/>
           <a:p>
             <a:r>
-              <a:rPr lang="de-DE" dirty="0"/>
+              <a:rPr lang="de-DE" dirty="0">
+                <a:latin typeface="Arial" panose="020B0604020202020204" pitchFamily="34" charset="0"/>
+                <a:cs typeface="Arial" panose="020B0604020202020204" pitchFamily="34" charset="0"/>
+              </a:rPr>
               <a:t>Lizenzgebühr für die Benutzung von AIMA</a:t>
             </a:r>
           </a:p>
@@ -3978,7 +5702,10 @@
           <a:p>
             <a:pPr algn="ctr"/>
             <a:r>
-              <a:rPr lang="de-DE" dirty="0"/>
+              <a:rPr lang="de-DE" dirty="0">
+                <a:latin typeface="Arial" panose="020B0604020202020204" pitchFamily="34" charset="0"/>
+                <a:cs typeface="Arial" panose="020B0604020202020204" pitchFamily="34" charset="0"/>
+              </a:rPr>
               <a:t>Freie Stelle im Unternehmen</a:t>
             </a:r>
           </a:p>
@@ -4027,7 +5754,10 @@
           <a:p>
             <a:pPr algn="r"/>
             <a:r>
-              <a:rPr lang="de-DE" dirty="0"/>
+              <a:rPr lang="de-DE" dirty="0">
+                <a:latin typeface="Arial" panose="020B0604020202020204" pitchFamily="34" charset="0"/>
+                <a:cs typeface="Arial" panose="020B0604020202020204" pitchFamily="34" charset="0"/>
+              </a:rPr>
               <a:t>8vance</a:t>
             </a:r>
           </a:p>
@@ -4076,7 +5806,10 @@
           <a:p>
             <a:pPr algn="ctr"/>
             <a:r>
-              <a:rPr lang="de-DE" dirty="0"/>
+              <a:rPr lang="de-DE" dirty="0">
+                <a:latin typeface="Arial" panose="020B0604020202020204" pitchFamily="34" charset="0"/>
+                <a:cs typeface="Arial" panose="020B0604020202020204" pitchFamily="34" charset="0"/>
+              </a:rPr>
               <a:t>AIMA</a:t>
             </a:r>
           </a:p>
@@ -4169,7 +5902,10 @@
           <a:p>
             <a:pPr algn="ctr"/>
             <a:r>
-              <a:rPr lang="de-DE" dirty="0"/>
+              <a:rPr lang="de-DE" dirty="0">
+                <a:latin typeface="Arial" panose="020B0604020202020204" pitchFamily="34" charset="0"/>
+                <a:cs typeface="Arial" panose="020B0604020202020204" pitchFamily="34" charset="0"/>
+              </a:rPr>
               <a:t>Big Data | KI</a:t>
             </a:r>
           </a:p>
@@ -4216,7 +5952,10 @@
           <a:p>
             <a:pPr algn="ctr"/>
             <a:r>
-              <a:rPr lang="de-DE" dirty="0"/>
+              <a:rPr lang="de-DE" sz="1400" dirty="0">
+                <a:latin typeface="Arial" panose="020B0604020202020204" pitchFamily="34" charset="0"/>
+                <a:cs typeface="Arial" panose="020B0604020202020204" pitchFamily="34" charset="0"/>
+              </a:rPr>
               <a:t>Soziale Netzwerke</a:t>
             </a:r>
           </a:p>
@@ -4263,7 +6002,10 @@
           <a:p>
             <a:pPr algn="ctr"/>
             <a:r>
-              <a:rPr lang="de-DE" dirty="0"/>
+              <a:rPr lang="de-DE" sz="1400" dirty="0">
+                <a:latin typeface="Arial" panose="020B0604020202020204" pitchFamily="34" charset="0"/>
+                <a:cs typeface="Arial" panose="020B0604020202020204" pitchFamily="34" charset="0"/>
+              </a:rPr>
               <a:t>Datenbanken</a:t>
             </a:r>
           </a:p>
@@ -4283,8 +6025,8 @@
         </p:nvSpPr>
         <p:spPr>
           <a:xfrm>
-            <a:off x="7998593" y="3852513"/>
-            <a:ext cx="2476902" cy="257474"/>
+            <a:off x="8114897" y="3852513"/>
+            <a:ext cx="2252313" cy="257474"/>
           </a:xfrm>
           <a:prstGeom prst="rect">
             <a:avLst/>
@@ -4310,7 +6052,10 @@
           <a:p>
             <a:pPr algn="ctr"/>
             <a:r>
-              <a:rPr lang="de-DE" dirty="0"/>
+              <a:rPr lang="de-DE" sz="1400" dirty="0">
+                <a:latin typeface="Arial" panose="020B0604020202020204" pitchFamily="34" charset="0"/>
+                <a:cs typeface="Arial" panose="020B0604020202020204" pitchFamily="34" charset="0"/>
+              </a:rPr>
               <a:t>öffentliche Lebensläufe</a:t>
             </a:r>
           </a:p>
@@ -4415,7 +6160,7 @@
         <p:spPr>
           <a:xfrm>
             <a:off x="6270171" y="3436218"/>
-            <a:ext cx="1245996" cy="369332"/>
+            <a:ext cx="1245996" cy="338554"/>
           </a:xfrm>
           <a:prstGeom prst="rect">
             <a:avLst/>
@@ -4429,7 +6174,10 @@
           <a:lstStyle/>
           <a:p>
             <a:r>
-              <a:rPr lang="de-DE" dirty="0"/>
+              <a:rPr lang="de-DE" sz="1600" dirty="0">
+                <a:latin typeface="Arial" panose="020B0604020202020204" pitchFamily="34" charset="0"/>
+                <a:cs typeface="Arial" panose="020B0604020202020204" pitchFamily="34" charset="0"/>
+              </a:rPr>
               <a:t>Vakanz</a:t>
             </a:r>
           </a:p>
@@ -4450,7 +6198,7 @@
         <p:spPr>
           <a:xfrm>
             <a:off x="6306613" y="4239756"/>
-            <a:ext cx="1245996" cy="369332"/>
+            <a:ext cx="1245996" cy="338554"/>
           </a:xfrm>
           <a:prstGeom prst="rect">
             <a:avLst/>
@@ -4464,7 +6212,10 @@
           <a:lstStyle/>
           <a:p>
             <a:r>
-              <a:rPr lang="de-DE" dirty="0"/>
+              <a:rPr lang="de-DE" sz="1600" dirty="0">
+                <a:latin typeface="Arial" panose="020B0604020202020204" pitchFamily="34" charset="0"/>
+                <a:cs typeface="Arial" panose="020B0604020202020204" pitchFamily="34" charset="0"/>
+              </a:rPr>
               <a:t>Kandidat</a:t>
             </a:r>
           </a:p>
@@ -4484,8 +6235,8 @@
         </p:nvSpPr>
         <p:spPr>
           <a:xfrm>
-            <a:off x="2702367" y="3386007"/>
-            <a:ext cx="1245996" cy="369332"/>
+            <a:off x="2934471" y="3416785"/>
+            <a:ext cx="1245996" cy="338554"/>
           </a:xfrm>
           <a:prstGeom prst="rect">
             <a:avLst/>
@@ -4499,9 +6250,16 @@
           <a:lstStyle/>
           <a:p>
             <a:r>
-              <a:rPr lang="de-DE" dirty="0"/>
+              <a:rPr lang="de-DE" sz="1600" dirty="0">
+                <a:latin typeface="Arial" panose="020B0604020202020204" pitchFamily="34" charset="0"/>
+                <a:cs typeface="Arial" panose="020B0604020202020204" pitchFamily="34" charset="0"/>
+              </a:rPr>
               <a:t>Vakanz</a:t>
             </a:r>
+            <a:endParaRPr lang="de-DE" dirty="0">
+              <a:latin typeface="Arial" panose="020B0604020202020204" pitchFamily="34" charset="0"/>
+              <a:cs typeface="Arial" panose="020B0604020202020204" pitchFamily="34" charset="0"/>
+            </a:endParaRPr>
           </a:p>
         </p:txBody>
       </p:sp>
@@ -4561,8 +6319,8 @@
         </p:nvSpPr>
         <p:spPr>
           <a:xfrm>
-            <a:off x="2810591" y="4246119"/>
-            <a:ext cx="1245996" cy="646331"/>
+            <a:off x="2849091" y="4274994"/>
+            <a:ext cx="1245996" cy="584775"/>
           </a:xfrm>
           <a:prstGeom prst="rect">
             <a:avLst/>
@@ -4576,8 +6334,99 @@
           <a:lstStyle/>
           <a:p>
             <a:r>
-              <a:rPr lang="de-DE" dirty="0"/>
+              <a:rPr lang="de-DE" sz="1600" dirty="0">
+                <a:latin typeface="Arial" panose="020B0604020202020204" pitchFamily="34" charset="0"/>
+                <a:cs typeface="Arial" panose="020B0604020202020204" pitchFamily="34" charset="0"/>
+              </a:rPr>
               <a:t>Liste von Kandidaten</a:t>
+            </a:r>
+          </a:p>
+        </p:txBody>
+      </p:sp>
+      <p:sp>
+        <p:nvSpPr>
+          <p:cNvPr id="20" name="Textfeld 19">
+            <a:extLst>
+              <a:ext uri="{FF2B5EF4-FFF2-40B4-BE49-F238E27FC236}">
+                <a16:creationId xmlns:a16="http://schemas.microsoft.com/office/drawing/2014/main" id="{D96578EB-A1B6-4044-85D6-FD974566007E}"/>
+              </a:ext>
+            </a:extLst>
+          </p:cNvPr>
+          <p:cNvSpPr txBox="1"/>
+          <p:nvPr/>
+        </p:nvSpPr>
+        <p:spPr>
+          <a:xfrm>
+            <a:off x="693018" y="6386658"/>
+            <a:ext cx="5268880" cy="276999"/>
+          </a:xfrm>
+          <a:prstGeom prst="rect">
+            <a:avLst/>
+          </a:prstGeom>
+          <a:noFill/>
+        </p:spPr>
+        <p:txBody>
+          <a:bodyPr wrap="square" rtlCol="0">
+            <a:spAutoFit/>
+          </a:bodyPr>
+          <a:lstStyle/>
+          <a:p>
+            <a:r>
+              <a:rPr lang="de-DE" sz="1200" dirty="0">
+                <a:latin typeface="Arial" panose="020B0604020202020204" pitchFamily="34" charset="0"/>
+                <a:cs typeface="Arial" panose="020B0604020202020204" pitchFamily="34" charset="0"/>
+              </a:rPr>
+              <a:t>Quelle: eigene Darstellung</a:t>
+            </a:r>
+          </a:p>
+        </p:txBody>
+      </p:sp>
+      <p:sp>
+        <p:nvSpPr>
+          <p:cNvPr id="27" name="Rechteck 26">
+            <a:extLst>
+              <a:ext uri="{FF2B5EF4-FFF2-40B4-BE49-F238E27FC236}">
+                <a16:creationId xmlns:a16="http://schemas.microsoft.com/office/drawing/2014/main" id="{9F652844-BCD8-42CF-BEFD-79A83E62E6D2}"/>
+              </a:ext>
+            </a:extLst>
+          </p:cNvPr>
+          <p:cNvSpPr/>
+          <p:nvPr/>
+        </p:nvSpPr>
+        <p:spPr>
+          <a:xfrm>
+            <a:off x="8114897" y="3445847"/>
+            <a:ext cx="2252313" cy="257474"/>
+          </a:xfrm>
+          <a:prstGeom prst="rect">
+            <a:avLst/>
+          </a:prstGeom>
+        </p:spPr>
+        <p:style>
+          <a:lnRef idx="3">
+            <a:schemeClr val="lt1"/>
+          </a:lnRef>
+          <a:fillRef idx="1">
+            <a:schemeClr val="accent4"/>
+          </a:fillRef>
+          <a:effectRef idx="1">
+            <a:schemeClr val="accent4"/>
+          </a:effectRef>
+          <a:fontRef idx="minor">
+            <a:schemeClr val="lt1"/>
+          </a:fontRef>
+        </p:style>
+        <p:txBody>
+          <a:bodyPr rtlCol="0" anchor="ctr"/>
+          <a:lstStyle/>
+          <a:p>
+            <a:pPr algn="ctr"/>
+            <a:r>
+              <a:rPr lang="de-DE" sz="1400" dirty="0">
+                <a:latin typeface="Arial" panose="020B0604020202020204" pitchFamily="34" charset="0"/>
+                <a:cs typeface="Arial" panose="020B0604020202020204" pitchFamily="34" charset="0"/>
+              </a:rPr>
+              <a:t>8vance Profile</a:t>
             </a:r>
           </a:p>
         </p:txBody>
@@ -4586,6 +6435,1099 @@
     <p:extLst>
       <p:ext uri="{BB962C8B-B14F-4D97-AF65-F5344CB8AC3E}">
         <p14:creationId xmlns:p14="http://schemas.microsoft.com/office/powerpoint/2010/main" val="2146479671"/>
+      </p:ext>
+    </p:extLst>
+  </p:cSld>
+  <p:clrMapOvr>
+    <a:masterClrMapping/>
+  </p:clrMapOvr>
+</p:sld>
+</file>
+
+<file path=ppt/slides/slide8.xml><?xml version="1.0" encoding="utf-8"?>
+<p:sld xmlns:a="http://schemas.openxmlformats.org/drawingml/2006/main" xmlns:r="http://schemas.openxmlformats.org/officeDocument/2006/relationships" xmlns:p="http://schemas.openxmlformats.org/presentationml/2006/main">
+  <p:cSld>
+    <p:spTree>
+      <p:nvGrpSpPr>
+        <p:cNvPr id="1" name=""/>
+        <p:cNvGrpSpPr/>
+        <p:nvPr/>
+      </p:nvGrpSpPr>
+      <p:grpSpPr>
+        <a:xfrm>
+          <a:off x="0" y="0"/>
+          <a:ext cx="0" cy="0"/>
+          <a:chOff x="0" y="0"/>
+          <a:chExt cx="0" cy="0"/>
+        </a:xfrm>
+      </p:grpSpPr>
+      <p:sp>
+        <p:nvSpPr>
+          <p:cNvPr id="2" name="Titel 1">
+            <a:extLst>
+              <a:ext uri="{FF2B5EF4-FFF2-40B4-BE49-F238E27FC236}">
+                <a16:creationId xmlns:a16="http://schemas.microsoft.com/office/drawing/2014/main" id="{03556204-B35C-4A94-84E3-B23A01D1FAA8}"/>
+              </a:ext>
+            </a:extLst>
+          </p:cNvPr>
+          <p:cNvSpPr>
+            <a:spLocks noGrp="1"/>
+          </p:cNvSpPr>
+          <p:nvPr>
+            <p:ph type="title"/>
+          </p:nvPr>
+        </p:nvSpPr>
+        <p:spPr/>
+        <p:txBody>
+          <a:bodyPr/>
+          <a:lstStyle/>
+          <a:p>
+            <a:r>
+              <a:rPr lang="de-DE" dirty="0">
+                <a:latin typeface="Arial" panose="020B0604020202020204" pitchFamily="34" charset="0"/>
+                <a:cs typeface="Arial" panose="020B0604020202020204" pitchFamily="34" charset="0"/>
+              </a:rPr>
+              <a:t>Dienstleistungen</a:t>
+            </a:r>
+          </a:p>
+        </p:txBody>
+      </p:sp>
+      <p:pic>
+        <p:nvPicPr>
+          <p:cNvPr id="7" name="Inhaltsplatzhalter 6">
+            <a:extLst>
+              <a:ext uri="{FF2B5EF4-FFF2-40B4-BE49-F238E27FC236}">
+                <a16:creationId xmlns:a16="http://schemas.microsoft.com/office/drawing/2014/main" id="{919D33FE-A199-4AD1-806C-90BDCD42B32E}"/>
+              </a:ext>
+            </a:extLst>
+          </p:cNvPr>
+          <p:cNvPicPr>
+            <a:picLocks noGrp="1" noChangeAspect="1"/>
+          </p:cNvPicPr>
+          <p:nvPr>
+            <p:ph idx="1"/>
+          </p:nvPr>
+        </p:nvPicPr>
+        <p:blipFill>
+          <a:blip r:embed="rId2">
+            <a:extLst>
+              <a:ext uri="{28A0092B-C50C-407E-A947-70E740481C1C}">
+                <a14:useLocalDpi xmlns:a14="http://schemas.microsoft.com/office/drawing/2010/main" val="0"/>
+              </a:ext>
+            </a:extLst>
+          </a:blip>
+          <a:stretch>
+            <a:fillRect/>
+          </a:stretch>
+        </p:blipFill>
+        <p:spPr>
+          <a:xfrm>
+            <a:off x="958665" y="1929378"/>
+            <a:ext cx="10197232" cy="4351338"/>
+          </a:xfrm>
+        </p:spPr>
+      </p:pic>
+      <p:sp>
+        <p:nvSpPr>
+          <p:cNvPr id="8" name="Textfeld 7">
+            <a:extLst>
+              <a:ext uri="{FF2B5EF4-FFF2-40B4-BE49-F238E27FC236}">
+                <a16:creationId xmlns:a16="http://schemas.microsoft.com/office/drawing/2014/main" id="{D333E977-A9B6-444F-8EF4-40324D71DE03}"/>
+              </a:ext>
+            </a:extLst>
+          </p:cNvPr>
+          <p:cNvSpPr txBox="1"/>
+          <p:nvPr/>
+        </p:nvSpPr>
+        <p:spPr>
+          <a:xfrm>
+            <a:off x="997384" y="1607419"/>
+            <a:ext cx="10119795" cy="369332"/>
+          </a:xfrm>
+          <a:prstGeom prst="rect">
+            <a:avLst/>
+          </a:prstGeom>
+          <a:noFill/>
+        </p:spPr>
+        <p:txBody>
+          <a:bodyPr wrap="square" rtlCol="0">
+            <a:spAutoFit/>
+          </a:bodyPr>
+          <a:lstStyle/>
+          <a:p>
+            <a:r>
+              <a:rPr lang="de-DE" dirty="0">
+                <a:latin typeface="Arial" panose="020B0604020202020204" pitchFamily="34" charset="0"/>
+                <a:cs typeface="Arial" panose="020B0604020202020204" pitchFamily="34" charset="0"/>
+              </a:rPr>
+              <a:t>         Preis/Jahr: 1188 €	  	    Preis/Jahr: 1788 €		     Preis/Jahr: 2388 €</a:t>
+            </a:r>
+          </a:p>
+        </p:txBody>
+      </p:sp>
+      <p:sp>
+        <p:nvSpPr>
+          <p:cNvPr id="9" name="Textfeld 8">
+            <a:extLst>
+              <a:ext uri="{FF2B5EF4-FFF2-40B4-BE49-F238E27FC236}">
+                <a16:creationId xmlns:a16="http://schemas.microsoft.com/office/drawing/2014/main" id="{AE31700D-7228-44C1-B717-504F509D2EBE}"/>
+              </a:ext>
+            </a:extLst>
+          </p:cNvPr>
+          <p:cNvSpPr txBox="1"/>
+          <p:nvPr/>
+        </p:nvSpPr>
+        <p:spPr>
+          <a:xfrm>
+            <a:off x="958665" y="6365517"/>
+            <a:ext cx="5268880" cy="276999"/>
+          </a:xfrm>
+          <a:prstGeom prst="rect">
+            <a:avLst/>
+          </a:prstGeom>
+          <a:noFill/>
+        </p:spPr>
+        <p:txBody>
+          <a:bodyPr wrap="square" rtlCol="0">
+            <a:spAutoFit/>
+          </a:bodyPr>
+          <a:lstStyle/>
+          <a:p>
+            <a:r>
+              <a:rPr lang="de-DE" sz="1200" dirty="0">
+                <a:latin typeface="Arial" panose="020B0604020202020204" pitchFamily="34" charset="0"/>
+                <a:cs typeface="Arial" panose="020B0604020202020204" pitchFamily="34" charset="0"/>
+              </a:rPr>
+              <a:t>Quelle: https://8vance.com/de/what-we-do/#Lizenzgeb%C3%BChr</a:t>
+            </a:r>
+          </a:p>
+        </p:txBody>
+      </p:sp>
+    </p:spTree>
+    <p:extLst>
+      <p:ext uri="{BB962C8B-B14F-4D97-AF65-F5344CB8AC3E}">
+        <p14:creationId xmlns:p14="http://schemas.microsoft.com/office/powerpoint/2010/main" val="511865374"/>
+      </p:ext>
+    </p:extLst>
+  </p:cSld>
+  <p:clrMapOvr>
+    <a:masterClrMapping/>
+  </p:clrMapOvr>
+</p:sld>
+</file>
+
+<file path=ppt/slides/slide9.xml><?xml version="1.0" encoding="utf-8"?>
+<p:sld xmlns:a="http://schemas.openxmlformats.org/drawingml/2006/main" xmlns:r="http://schemas.openxmlformats.org/officeDocument/2006/relationships" xmlns:p="http://schemas.openxmlformats.org/presentationml/2006/main">
+  <p:cSld>
+    <p:spTree>
+      <p:nvGrpSpPr>
+        <p:cNvPr id="1" name=""/>
+        <p:cNvGrpSpPr/>
+        <p:nvPr/>
+      </p:nvGrpSpPr>
+      <p:grpSpPr>
+        <a:xfrm>
+          <a:off x="0" y="0"/>
+          <a:ext cx="0" cy="0"/>
+          <a:chOff x="0" y="0"/>
+          <a:chExt cx="0" cy="0"/>
+        </a:xfrm>
+      </p:grpSpPr>
+      <p:sp>
+        <p:nvSpPr>
+          <p:cNvPr id="2" name="Titel 1">
+            <a:extLst>
+              <a:ext uri="{FF2B5EF4-FFF2-40B4-BE49-F238E27FC236}">
+                <a16:creationId xmlns:a16="http://schemas.microsoft.com/office/drawing/2014/main" id="{21179806-7702-43D5-96CC-0DC9F97398F6}"/>
+              </a:ext>
+            </a:extLst>
+          </p:cNvPr>
+          <p:cNvSpPr>
+            <a:spLocks noGrp="1"/>
+          </p:cNvSpPr>
+          <p:nvPr>
+            <p:ph type="title"/>
+          </p:nvPr>
+        </p:nvSpPr>
+        <p:spPr/>
+        <p:txBody>
+          <a:bodyPr/>
+          <a:lstStyle/>
+          <a:p>
+            <a:r>
+              <a:rPr lang="de-DE" dirty="0">
+                <a:latin typeface="Arial" panose="020B0604020202020204" pitchFamily="34" charset="0"/>
+                <a:cs typeface="Arial" panose="020B0604020202020204" pitchFamily="34" charset="0"/>
+              </a:rPr>
+              <a:t>Dienstleistungen</a:t>
+            </a:r>
+          </a:p>
+        </p:txBody>
+      </p:sp>
+      <p:sp>
+        <p:nvSpPr>
+          <p:cNvPr id="9" name="Rechteck 8">
+            <a:extLst>
+              <a:ext uri="{FF2B5EF4-FFF2-40B4-BE49-F238E27FC236}">
+                <a16:creationId xmlns:a16="http://schemas.microsoft.com/office/drawing/2014/main" id="{2BFDE923-F746-4DF6-8737-FD8D056D40F0}"/>
+              </a:ext>
+            </a:extLst>
+          </p:cNvPr>
+          <p:cNvSpPr/>
+          <p:nvPr/>
+        </p:nvSpPr>
+        <p:spPr>
+          <a:xfrm>
+            <a:off x="693019" y="2579571"/>
+            <a:ext cx="2643739" cy="3773103"/>
+          </a:xfrm>
+          <a:prstGeom prst="rect">
+            <a:avLst/>
+          </a:prstGeom>
+        </p:spPr>
+        <p:style>
+          <a:lnRef idx="2">
+            <a:schemeClr val="accent2">
+              <a:shade val="50000"/>
+            </a:schemeClr>
+          </a:lnRef>
+          <a:fillRef idx="1">
+            <a:schemeClr val="accent2"/>
+          </a:fillRef>
+          <a:effectRef idx="0">
+            <a:schemeClr val="accent2"/>
+          </a:effectRef>
+          <a:fontRef idx="minor">
+            <a:schemeClr val="lt1"/>
+          </a:fontRef>
+        </p:style>
+        <p:txBody>
+          <a:bodyPr numCol="1" rtlCol="0" anchor="b"/>
+          <a:lstStyle/>
+          <a:p>
+            <a:pPr algn="r"/>
+            <a:r>
+              <a:rPr lang="de-DE" dirty="0">
+                <a:latin typeface="Arial" panose="020B0604020202020204" pitchFamily="34" charset="0"/>
+                <a:cs typeface="Arial" panose="020B0604020202020204" pitchFamily="34" charset="0"/>
+              </a:rPr>
+              <a:t>Eigenes Unternehmen</a:t>
+            </a:r>
+          </a:p>
+        </p:txBody>
+      </p:sp>
+      <p:sp>
+        <p:nvSpPr>
+          <p:cNvPr id="3" name="Inhaltsplatzhalter 2">
+            <a:extLst>
+              <a:ext uri="{FF2B5EF4-FFF2-40B4-BE49-F238E27FC236}">
+                <a16:creationId xmlns:a16="http://schemas.microsoft.com/office/drawing/2014/main" id="{9D7F7C24-AA8A-4335-B733-7D5B93B1C1A2}"/>
+              </a:ext>
+            </a:extLst>
+          </p:cNvPr>
+          <p:cNvSpPr>
+            <a:spLocks noGrp="1"/>
+          </p:cNvSpPr>
+          <p:nvPr>
+            <p:ph idx="1"/>
+          </p:nvPr>
+        </p:nvSpPr>
+        <p:spPr>
+          <a:xfrm>
+            <a:off x="838200" y="1825625"/>
+            <a:ext cx="10278979" cy="503689"/>
+          </a:xfrm>
+        </p:spPr>
+        <p:txBody>
+          <a:bodyPr/>
+          <a:lstStyle/>
+          <a:p>
+            <a:r>
+              <a:rPr lang="de-DE" dirty="0">
+                <a:latin typeface="Arial" panose="020B0604020202020204" pitchFamily="34" charset="0"/>
+                <a:cs typeface="Arial" panose="020B0604020202020204" pitchFamily="34" charset="0"/>
+              </a:rPr>
+              <a:t>8vance übernimmt die Suche</a:t>
+            </a:r>
+          </a:p>
+        </p:txBody>
+      </p:sp>
+      <p:sp>
+        <p:nvSpPr>
+          <p:cNvPr id="4" name="Rechteck: abgerundete Ecken 3">
+            <a:extLst>
+              <a:ext uri="{FF2B5EF4-FFF2-40B4-BE49-F238E27FC236}">
+                <a16:creationId xmlns:a16="http://schemas.microsoft.com/office/drawing/2014/main" id="{FFD4ADCD-38A3-47B8-98FC-81E638F99B3B}"/>
+              </a:ext>
+            </a:extLst>
+          </p:cNvPr>
+          <p:cNvSpPr/>
+          <p:nvPr/>
+        </p:nvSpPr>
+        <p:spPr>
+          <a:xfrm>
+            <a:off x="838200" y="3436218"/>
+            <a:ext cx="1828800" cy="1482291"/>
+          </a:xfrm>
+          <a:prstGeom prst="roundRect">
+            <a:avLst/>
+          </a:prstGeom>
+        </p:spPr>
+        <p:style>
+          <a:lnRef idx="2">
+            <a:schemeClr val="accent1">
+              <a:shade val="50000"/>
+            </a:schemeClr>
+          </a:lnRef>
+          <a:fillRef idx="1">
+            <a:schemeClr val="accent1"/>
+          </a:fillRef>
+          <a:effectRef idx="0">
+            <a:schemeClr val="accent1"/>
+          </a:effectRef>
+          <a:fontRef idx="minor">
+            <a:schemeClr val="lt1"/>
+          </a:fontRef>
+        </p:style>
+        <p:txBody>
+          <a:bodyPr rtlCol="0" anchor="ctr"/>
+          <a:lstStyle/>
+          <a:p>
+            <a:pPr algn="ctr"/>
+            <a:r>
+              <a:rPr lang="de-DE" dirty="0">
+                <a:latin typeface="Arial" panose="020B0604020202020204" pitchFamily="34" charset="0"/>
+                <a:cs typeface="Arial" panose="020B0604020202020204" pitchFamily="34" charset="0"/>
+              </a:rPr>
+              <a:t>Freie Stelle im Unternehmen</a:t>
+            </a:r>
+          </a:p>
+        </p:txBody>
+      </p:sp>
+      <p:sp>
+        <p:nvSpPr>
+          <p:cNvPr id="12" name="Rechteck 11">
+            <a:extLst>
+              <a:ext uri="{FF2B5EF4-FFF2-40B4-BE49-F238E27FC236}">
+                <a16:creationId xmlns:a16="http://schemas.microsoft.com/office/drawing/2014/main" id="{1B5B4D61-088E-4017-BDB4-A197E6EEDCBE}"/>
+              </a:ext>
+            </a:extLst>
+          </p:cNvPr>
+          <p:cNvSpPr/>
+          <p:nvPr/>
+        </p:nvSpPr>
+        <p:spPr>
+          <a:xfrm>
+            <a:off x="3336758" y="2579571"/>
+            <a:ext cx="7780421" cy="3773103"/>
+          </a:xfrm>
+          <a:prstGeom prst="rect">
+            <a:avLst/>
+          </a:prstGeom>
+        </p:spPr>
+        <p:style>
+          <a:lnRef idx="2">
+            <a:schemeClr val="accent6">
+              <a:shade val="50000"/>
+            </a:schemeClr>
+          </a:lnRef>
+          <a:fillRef idx="1">
+            <a:schemeClr val="accent6"/>
+          </a:fillRef>
+          <a:effectRef idx="0">
+            <a:schemeClr val="accent6"/>
+          </a:effectRef>
+          <a:fontRef idx="minor">
+            <a:schemeClr val="lt1"/>
+          </a:fontRef>
+        </p:style>
+        <p:txBody>
+          <a:bodyPr numCol="1" rtlCol="0" anchor="b"/>
+          <a:lstStyle/>
+          <a:p>
+            <a:pPr algn="r"/>
+            <a:r>
+              <a:rPr lang="de-DE" dirty="0">
+                <a:latin typeface="Arial" panose="020B0604020202020204" pitchFamily="34" charset="0"/>
+                <a:cs typeface="Arial" panose="020B0604020202020204" pitchFamily="34" charset="0"/>
+              </a:rPr>
+              <a:t>8vance</a:t>
+            </a:r>
+          </a:p>
+        </p:txBody>
+      </p:sp>
+      <p:sp>
+        <p:nvSpPr>
+          <p:cNvPr id="6" name="Rechteck: abgerundete Ecken 5">
+            <a:extLst>
+              <a:ext uri="{FF2B5EF4-FFF2-40B4-BE49-F238E27FC236}">
+                <a16:creationId xmlns:a16="http://schemas.microsoft.com/office/drawing/2014/main" id="{408902A2-837F-4636-944D-220BAB365EFA}"/>
+              </a:ext>
+            </a:extLst>
+          </p:cNvPr>
+          <p:cNvSpPr/>
+          <p:nvPr/>
+        </p:nvSpPr>
+        <p:spPr>
+          <a:xfrm>
+            <a:off x="4267200" y="3436218"/>
+            <a:ext cx="1828800" cy="1482291"/>
+          </a:xfrm>
+          <a:prstGeom prst="roundRect">
+            <a:avLst/>
+          </a:prstGeom>
+        </p:spPr>
+        <p:style>
+          <a:lnRef idx="2">
+            <a:schemeClr val="accent1">
+              <a:shade val="50000"/>
+            </a:schemeClr>
+          </a:lnRef>
+          <a:fillRef idx="1">
+            <a:schemeClr val="accent1"/>
+          </a:fillRef>
+          <a:effectRef idx="0">
+            <a:schemeClr val="accent1"/>
+          </a:effectRef>
+          <a:fontRef idx="minor">
+            <a:schemeClr val="lt1"/>
+          </a:fontRef>
+        </p:style>
+        <p:txBody>
+          <a:bodyPr rtlCol="0" anchor="ctr"/>
+          <a:lstStyle/>
+          <a:p>
+            <a:pPr algn="ctr"/>
+            <a:r>
+              <a:rPr lang="de-DE" dirty="0">
+                <a:latin typeface="Arial" panose="020B0604020202020204" pitchFamily="34" charset="0"/>
+                <a:cs typeface="Arial" panose="020B0604020202020204" pitchFamily="34" charset="0"/>
+              </a:rPr>
+              <a:t>AIMA</a:t>
+            </a:r>
+          </a:p>
+        </p:txBody>
+      </p:sp>
+      <p:cxnSp>
+        <p:nvCxnSpPr>
+          <p:cNvPr id="11" name="Gerade Verbindung mit Pfeil 10">
+            <a:extLst>
+              <a:ext uri="{FF2B5EF4-FFF2-40B4-BE49-F238E27FC236}">
+                <a16:creationId xmlns:a16="http://schemas.microsoft.com/office/drawing/2014/main" id="{4F88E6E7-6A76-421B-9158-0531D6B85D60}"/>
+              </a:ext>
+            </a:extLst>
+          </p:cNvPr>
+          <p:cNvCxnSpPr>
+            <a:cxnSpLocks/>
+          </p:cNvCxnSpPr>
+          <p:nvPr/>
+        </p:nvCxnSpPr>
+        <p:spPr>
+          <a:xfrm>
+            <a:off x="2667000" y="3755339"/>
+            <a:ext cx="1600200" cy="0"/>
+          </a:xfrm>
+          <a:prstGeom prst="straightConnector1">
+            <a:avLst/>
+          </a:prstGeom>
+          <a:ln w="57150">
+            <a:solidFill>
+              <a:schemeClr val="tx1"/>
+            </a:solidFill>
+            <a:tailEnd type="triangle"/>
+          </a:ln>
+        </p:spPr>
+        <p:style>
+          <a:lnRef idx="1">
+            <a:schemeClr val="accent1"/>
+          </a:lnRef>
+          <a:fillRef idx="0">
+            <a:schemeClr val="accent1"/>
+          </a:fillRef>
+          <a:effectRef idx="0">
+            <a:schemeClr val="accent1"/>
+          </a:effectRef>
+          <a:fontRef idx="minor">
+            <a:schemeClr val="tx1"/>
+          </a:fontRef>
+        </p:style>
+      </p:cxnSp>
+      <p:sp>
+        <p:nvSpPr>
+          <p:cNvPr id="13" name="Ellipse 12">
+            <a:extLst>
+              <a:ext uri="{FF2B5EF4-FFF2-40B4-BE49-F238E27FC236}">
+                <a16:creationId xmlns:a16="http://schemas.microsoft.com/office/drawing/2014/main" id="{1D1D473D-1839-4582-A76B-423EA06BA87F}"/>
+              </a:ext>
+            </a:extLst>
+          </p:cNvPr>
+          <p:cNvSpPr/>
+          <p:nvPr/>
+        </p:nvSpPr>
+        <p:spPr>
+          <a:xfrm>
+            <a:off x="7696200" y="2877954"/>
+            <a:ext cx="3089709" cy="2906829"/>
+          </a:xfrm>
+          <a:prstGeom prst="ellipse">
+            <a:avLst/>
+          </a:prstGeom>
+        </p:spPr>
+        <p:style>
+          <a:lnRef idx="2">
+            <a:schemeClr val="accent1">
+              <a:shade val="50000"/>
+            </a:schemeClr>
+          </a:lnRef>
+          <a:fillRef idx="1">
+            <a:schemeClr val="accent1"/>
+          </a:fillRef>
+          <a:effectRef idx="0">
+            <a:schemeClr val="accent1"/>
+          </a:effectRef>
+          <a:fontRef idx="minor">
+            <a:schemeClr val="lt1"/>
+          </a:fontRef>
+        </p:style>
+        <p:txBody>
+          <a:bodyPr rtlCol="0" anchor="b"/>
+          <a:lstStyle/>
+          <a:p>
+            <a:pPr algn="ctr"/>
+            <a:r>
+              <a:rPr lang="de-DE" dirty="0">
+                <a:latin typeface="Arial" panose="020B0604020202020204" pitchFamily="34" charset="0"/>
+                <a:cs typeface="Arial" panose="020B0604020202020204" pitchFamily="34" charset="0"/>
+              </a:rPr>
+              <a:t>Big Data | KI</a:t>
+            </a:r>
+          </a:p>
+        </p:txBody>
+      </p:sp>
+      <p:sp>
+        <p:nvSpPr>
+          <p:cNvPr id="14" name="Rechteck 13">
+            <a:extLst>
+              <a:ext uri="{FF2B5EF4-FFF2-40B4-BE49-F238E27FC236}">
+                <a16:creationId xmlns:a16="http://schemas.microsoft.com/office/drawing/2014/main" id="{76D9546A-02AE-49FA-93C8-7BEC3D31C0A8}"/>
+              </a:ext>
+            </a:extLst>
+          </p:cNvPr>
+          <p:cNvSpPr/>
+          <p:nvPr/>
+        </p:nvSpPr>
+        <p:spPr>
+          <a:xfrm>
+            <a:off x="8114898" y="4677878"/>
+            <a:ext cx="2252312" cy="240631"/>
+          </a:xfrm>
+          <a:prstGeom prst="rect">
+            <a:avLst/>
+          </a:prstGeom>
+        </p:spPr>
+        <p:style>
+          <a:lnRef idx="3">
+            <a:schemeClr val="lt1"/>
+          </a:lnRef>
+          <a:fillRef idx="1">
+            <a:schemeClr val="accent4"/>
+          </a:fillRef>
+          <a:effectRef idx="1">
+            <a:schemeClr val="accent4"/>
+          </a:effectRef>
+          <a:fontRef idx="minor">
+            <a:schemeClr val="lt1"/>
+          </a:fontRef>
+        </p:style>
+        <p:txBody>
+          <a:bodyPr rtlCol="0" anchor="ctr"/>
+          <a:lstStyle/>
+          <a:p>
+            <a:pPr algn="ctr"/>
+            <a:r>
+              <a:rPr lang="de-DE" sz="1400" dirty="0">
+                <a:latin typeface="Arial" panose="020B0604020202020204" pitchFamily="34" charset="0"/>
+                <a:cs typeface="Arial" panose="020B0604020202020204" pitchFamily="34" charset="0"/>
+              </a:rPr>
+              <a:t>Soziale Netzwerke</a:t>
+            </a:r>
+          </a:p>
+        </p:txBody>
+      </p:sp>
+      <p:sp>
+        <p:nvSpPr>
+          <p:cNvPr id="16" name="Rechteck 15">
+            <a:extLst>
+              <a:ext uri="{FF2B5EF4-FFF2-40B4-BE49-F238E27FC236}">
+                <a16:creationId xmlns:a16="http://schemas.microsoft.com/office/drawing/2014/main" id="{C21358A1-A311-4A33-A087-460A26E03707}"/>
+              </a:ext>
+            </a:extLst>
+          </p:cNvPr>
+          <p:cNvSpPr/>
+          <p:nvPr/>
+        </p:nvSpPr>
+        <p:spPr>
+          <a:xfrm>
+            <a:off x="8114898" y="4288055"/>
+            <a:ext cx="2252312" cy="240631"/>
+          </a:xfrm>
+          <a:prstGeom prst="rect">
+            <a:avLst/>
+          </a:prstGeom>
+        </p:spPr>
+        <p:style>
+          <a:lnRef idx="3">
+            <a:schemeClr val="lt1"/>
+          </a:lnRef>
+          <a:fillRef idx="1">
+            <a:schemeClr val="accent4"/>
+          </a:fillRef>
+          <a:effectRef idx="1">
+            <a:schemeClr val="accent4"/>
+          </a:effectRef>
+          <a:fontRef idx="minor">
+            <a:schemeClr val="lt1"/>
+          </a:fontRef>
+        </p:style>
+        <p:txBody>
+          <a:bodyPr rtlCol="0" anchor="ctr"/>
+          <a:lstStyle/>
+          <a:p>
+            <a:pPr algn="ctr"/>
+            <a:r>
+              <a:rPr lang="de-DE" sz="1400" dirty="0">
+                <a:latin typeface="Arial" panose="020B0604020202020204" pitchFamily="34" charset="0"/>
+                <a:cs typeface="Arial" panose="020B0604020202020204" pitchFamily="34" charset="0"/>
+              </a:rPr>
+              <a:t>Datenbanken</a:t>
+            </a:r>
+          </a:p>
+        </p:txBody>
+      </p:sp>
+      <p:sp>
+        <p:nvSpPr>
+          <p:cNvPr id="17" name="Rechteck 16">
+            <a:extLst>
+              <a:ext uri="{FF2B5EF4-FFF2-40B4-BE49-F238E27FC236}">
+                <a16:creationId xmlns:a16="http://schemas.microsoft.com/office/drawing/2014/main" id="{F26EA52A-19D9-47D2-A0E3-3881F9C0E0D4}"/>
+              </a:ext>
+            </a:extLst>
+          </p:cNvPr>
+          <p:cNvSpPr/>
+          <p:nvPr/>
+        </p:nvSpPr>
+        <p:spPr>
+          <a:xfrm>
+            <a:off x="8114897" y="3852513"/>
+            <a:ext cx="2252313" cy="257474"/>
+          </a:xfrm>
+          <a:prstGeom prst="rect">
+            <a:avLst/>
+          </a:prstGeom>
+        </p:spPr>
+        <p:style>
+          <a:lnRef idx="3">
+            <a:schemeClr val="lt1"/>
+          </a:lnRef>
+          <a:fillRef idx="1">
+            <a:schemeClr val="accent4"/>
+          </a:fillRef>
+          <a:effectRef idx="1">
+            <a:schemeClr val="accent4"/>
+          </a:effectRef>
+          <a:fontRef idx="minor">
+            <a:schemeClr val="lt1"/>
+          </a:fontRef>
+        </p:style>
+        <p:txBody>
+          <a:bodyPr rtlCol="0" anchor="ctr"/>
+          <a:lstStyle/>
+          <a:p>
+            <a:pPr algn="ctr"/>
+            <a:r>
+              <a:rPr lang="de-DE" sz="1400" dirty="0">
+                <a:latin typeface="Arial" panose="020B0604020202020204" pitchFamily="34" charset="0"/>
+                <a:cs typeface="Arial" panose="020B0604020202020204" pitchFamily="34" charset="0"/>
+              </a:rPr>
+              <a:t>öffentliche Lebensläufe</a:t>
+            </a:r>
+          </a:p>
+        </p:txBody>
+      </p:sp>
+      <p:cxnSp>
+        <p:nvCxnSpPr>
+          <p:cNvPr id="19" name="Gerade Verbindung mit Pfeil 18">
+            <a:extLst>
+              <a:ext uri="{FF2B5EF4-FFF2-40B4-BE49-F238E27FC236}">
+                <a16:creationId xmlns:a16="http://schemas.microsoft.com/office/drawing/2014/main" id="{64B1E2A3-FE7B-432F-A6B7-B5C3C33BBABB}"/>
+              </a:ext>
+            </a:extLst>
+          </p:cNvPr>
+          <p:cNvCxnSpPr/>
+          <p:nvPr/>
+        </p:nvCxnSpPr>
+        <p:spPr>
+          <a:xfrm>
+            <a:off x="6096000" y="3782728"/>
+            <a:ext cx="1710088" cy="0"/>
+          </a:xfrm>
+          <a:prstGeom prst="straightConnector1">
+            <a:avLst/>
+          </a:prstGeom>
+          <a:ln w="57150">
+            <a:solidFill>
+              <a:schemeClr val="tx1"/>
+            </a:solidFill>
+            <a:tailEnd type="triangle"/>
+          </a:ln>
+        </p:spPr>
+        <p:style>
+          <a:lnRef idx="1">
+            <a:schemeClr val="accent1"/>
+          </a:lnRef>
+          <a:fillRef idx="0">
+            <a:schemeClr val="accent1"/>
+          </a:fillRef>
+          <a:effectRef idx="0">
+            <a:schemeClr val="accent1"/>
+          </a:effectRef>
+          <a:fontRef idx="minor">
+            <a:schemeClr val="tx1"/>
+          </a:fontRef>
+        </p:style>
+      </p:cxnSp>
+      <p:cxnSp>
+        <p:nvCxnSpPr>
+          <p:cNvPr id="21" name="Gerade Verbindung mit Pfeil 20">
+            <a:extLst>
+              <a:ext uri="{FF2B5EF4-FFF2-40B4-BE49-F238E27FC236}">
+                <a16:creationId xmlns:a16="http://schemas.microsoft.com/office/drawing/2014/main" id="{F048CF99-9FBE-4563-BA3B-EBDA8E66A6FE}"/>
+              </a:ext>
+            </a:extLst>
+          </p:cNvPr>
+          <p:cNvCxnSpPr/>
+          <p:nvPr/>
+        </p:nvCxnSpPr>
+        <p:spPr>
+          <a:xfrm flipH="1">
+            <a:off x="6096000" y="4600876"/>
+            <a:ext cx="1600200" cy="0"/>
+          </a:xfrm>
+          <a:prstGeom prst="straightConnector1">
+            <a:avLst/>
+          </a:prstGeom>
+          <a:ln w="57150">
+            <a:solidFill>
+              <a:schemeClr val="tx1"/>
+            </a:solidFill>
+            <a:tailEnd type="triangle"/>
+          </a:ln>
+        </p:spPr>
+        <p:style>
+          <a:lnRef idx="1">
+            <a:schemeClr val="accent1"/>
+          </a:lnRef>
+          <a:fillRef idx="0">
+            <a:schemeClr val="accent1"/>
+          </a:fillRef>
+          <a:effectRef idx="0">
+            <a:schemeClr val="accent1"/>
+          </a:effectRef>
+          <a:fontRef idx="minor">
+            <a:schemeClr val="tx1"/>
+          </a:fontRef>
+        </p:style>
+      </p:cxnSp>
+      <p:sp>
+        <p:nvSpPr>
+          <p:cNvPr id="22" name="Textfeld 21">
+            <a:extLst>
+              <a:ext uri="{FF2B5EF4-FFF2-40B4-BE49-F238E27FC236}">
+                <a16:creationId xmlns:a16="http://schemas.microsoft.com/office/drawing/2014/main" id="{66D5821B-FE54-49F0-9D0A-1BA948D6B138}"/>
+              </a:ext>
+            </a:extLst>
+          </p:cNvPr>
+          <p:cNvSpPr txBox="1"/>
+          <p:nvPr/>
+        </p:nvSpPr>
+        <p:spPr>
+          <a:xfrm>
+            <a:off x="6270171" y="3436218"/>
+            <a:ext cx="1245996" cy="338554"/>
+          </a:xfrm>
+          <a:prstGeom prst="rect">
+            <a:avLst/>
+          </a:prstGeom>
+          <a:noFill/>
+        </p:spPr>
+        <p:txBody>
+          <a:bodyPr wrap="square" rtlCol="0">
+            <a:spAutoFit/>
+          </a:bodyPr>
+          <a:lstStyle/>
+          <a:p>
+            <a:r>
+              <a:rPr lang="de-DE" sz="1600" dirty="0">
+                <a:latin typeface="Arial" panose="020B0604020202020204" pitchFamily="34" charset="0"/>
+                <a:cs typeface="Arial" panose="020B0604020202020204" pitchFamily="34" charset="0"/>
+              </a:rPr>
+              <a:t>Vakanz</a:t>
+            </a:r>
+          </a:p>
+        </p:txBody>
+      </p:sp>
+      <p:sp>
+        <p:nvSpPr>
+          <p:cNvPr id="23" name="Textfeld 22">
+            <a:extLst>
+              <a:ext uri="{FF2B5EF4-FFF2-40B4-BE49-F238E27FC236}">
+                <a16:creationId xmlns:a16="http://schemas.microsoft.com/office/drawing/2014/main" id="{CA77C4E2-45D0-4BC6-A29B-F3F281FC00C0}"/>
+              </a:ext>
+            </a:extLst>
+          </p:cNvPr>
+          <p:cNvSpPr txBox="1"/>
+          <p:nvPr/>
+        </p:nvSpPr>
+        <p:spPr>
+          <a:xfrm>
+            <a:off x="6306613" y="4239756"/>
+            <a:ext cx="1245996" cy="338554"/>
+          </a:xfrm>
+          <a:prstGeom prst="rect">
+            <a:avLst/>
+          </a:prstGeom>
+          <a:noFill/>
+        </p:spPr>
+        <p:txBody>
+          <a:bodyPr wrap="square" rtlCol="0">
+            <a:spAutoFit/>
+          </a:bodyPr>
+          <a:lstStyle/>
+          <a:p>
+            <a:r>
+              <a:rPr lang="de-DE" sz="1600" dirty="0">
+                <a:latin typeface="Arial" panose="020B0604020202020204" pitchFamily="34" charset="0"/>
+                <a:cs typeface="Arial" panose="020B0604020202020204" pitchFamily="34" charset="0"/>
+              </a:rPr>
+              <a:t>Kandidat</a:t>
+            </a:r>
+          </a:p>
+        </p:txBody>
+      </p:sp>
+      <p:sp>
+        <p:nvSpPr>
+          <p:cNvPr id="24" name="Textfeld 23">
+            <a:extLst>
+              <a:ext uri="{FF2B5EF4-FFF2-40B4-BE49-F238E27FC236}">
+                <a16:creationId xmlns:a16="http://schemas.microsoft.com/office/drawing/2014/main" id="{D9BA236C-5B4B-472C-8924-AAE9A025B38E}"/>
+              </a:ext>
+            </a:extLst>
+          </p:cNvPr>
+          <p:cNvSpPr txBox="1"/>
+          <p:nvPr/>
+        </p:nvSpPr>
+        <p:spPr>
+          <a:xfrm>
+            <a:off x="2934471" y="3416785"/>
+            <a:ext cx="1245996" cy="338554"/>
+          </a:xfrm>
+          <a:prstGeom prst="rect">
+            <a:avLst/>
+          </a:prstGeom>
+          <a:noFill/>
+        </p:spPr>
+        <p:txBody>
+          <a:bodyPr wrap="square" rtlCol="0">
+            <a:spAutoFit/>
+          </a:bodyPr>
+          <a:lstStyle/>
+          <a:p>
+            <a:r>
+              <a:rPr lang="de-DE" sz="1600" dirty="0">
+                <a:latin typeface="Arial" panose="020B0604020202020204" pitchFamily="34" charset="0"/>
+                <a:cs typeface="Arial" panose="020B0604020202020204" pitchFamily="34" charset="0"/>
+              </a:rPr>
+              <a:t>Vakanz</a:t>
+            </a:r>
+            <a:endParaRPr lang="de-DE" dirty="0">
+              <a:latin typeface="Arial" panose="020B0604020202020204" pitchFamily="34" charset="0"/>
+              <a:cs typeface="Arial" panose="020B0604020202020204" pitchFamily="34" charset="0"/>
+            </a:endParaRPr>
+          </a:p>
+        </p:txBody>
+      </p:sp>
+      <p:cxnSp>
+        <p:nvCxnSpPr>
+          <p:cNvPr id="25" name="Gerade Verbindung mit Pfeil 24">
+            <a:extLst>
+              <a:ext uri="{FF2B5EF4-FFF2-40B4-BE49-F238E27FC236}">
+                <a16:creationId xmlns:a16="http://schemas.microsoft.com/office/drawing/2014/main" id="{2BFBB725-0DD1-4CDB-A9D1-8FA93D047573}"/>
+              </a:ext>
+            </a:extLst>
+          </p:cNvPr>
+          <p:cNvCxnSpPr/>
+          <p:nvPr/>
+        </p:nvCxnSpPr>
+        <p:spPr>
+          <a:xfrm flipH="1">
+            <a:off x="2667000" y="4569285"/>
+            <a:ext cx="1600200" cy="0"/>
+          </a:xfrm>
+          <a:prstGeom prst="straightConnector1">
+            <a:avLst/>
+          </a:prstGeom>
+          <a:ln w="57150">
+            <a:solidFill>
+              <a:schemeClr val="tx1"/>
+            </a:solidFill>
+            <a:tailEnd type="triangle"/>
+          </a:ln>
+        </p:spPr>
+        <p:style>
+          <a:lnRef idx="1">
+            <a:schemeClr val="accent1"/>
+          </a:lnRef>
+          <a:fillRef idx="0">
+            <a:schemeClr val="accent1"/>
+          </a:fillRef>
+          <a:effectRef idx="0">
+            <a:schemeClr val="accent1"/>
+          </a:effectRef>
+          <a:fontRef idx="minor">
+            <a:schemeClr val="tx1"/>
+          </a:fontRef>
+        </p:style>
+      </p:cxnSp>
+      <p:sp>
+        <p:nvSpPr>
+          <p:cNvPr id="26" name="Textfeld 25">
+            <a:extLst>
+              <a:ext uri="{FF2B5EF4-FFF2-40B4-BE49-F238E27FC236}">
+                <a16:creationId xmlns:a16="http://schemas.microsoft.com/office/drawing/2014/main" id="{164572A9-00B9-492D-BCB0-CF0B605BDA1E}"/>
+              </a:ext>
+            </a:extLst>
+          </p:cNvPr>
+          <p:cNvSpPr txBox="1"/>
+          <p:nvPr/>
+        </p:nvSpPr>
+        <p:spPr>
+          <a:xfrm>
+            <a:off x="2849091" y="4274994"/>
+            <a:ext cx="1245996" cy="584775"/>
+          </a:xfrm>
+          <a:prstGeom prst="rect">
+            <a:avLst/>
+          </a:prstGeom>
+          <a:noFill/>
+        </p:spPr>
+        <p:txBody>
+          <a:bodyPr wrap="square" rtlCol="0">
+            <a:spAutoFit/>
+          </a:bodyPr>
+          <a:lstStyle/>
+          <a:p>
+            <a:r>
+              <a:rPr lang="de-DE" sz="1600" dirty="0">
+                <a:latin typeface="Arial" panose="020B0604020202020204" pitchFamily="34" charset="0"/>
+                <a:cs typeface="Arial" panose="020B0604020202020204" pitchFamily="34" charset="0"/>
+              </a:rPr>
+              <a:t>Liste von Kandidaten</a:t>
+            </a:r>
+          </a:p>
+        </p:txBody>
+      </p:sp>
+      <p:sp>
+        <p:nvSpPr>
+          <p:cNvPr id="20" name="Textfeld 19">
+            <a:extLst>
+              <a:ext uri="{FF2B5EF4-FFF2-40B4-BE49-F238E27FC236}">
+                <a16:creationId xmlns:a16="http://schemas.microsoft.com/office/drawing/2014/main" id="{D96578EB-A1B6-4044-85D6-FD974566007E}"/>
+              </a:ext>
+            </a:extLst>
+          </p:cNvPr>
+          <p:cNvSpPr txBox="1"/>
+          <p:nvPr/>
+        </p:nvSpPr>
+        <p:spPr>
+          <a:xfrm>
+            <a:off x="693018" y="6386658"/>
+            <a:ext cx="5268880" cy="276999"/>
+          </a:xfrm>
+          <a:prstGeom prst="rect">
+            <a:avLst/>
+          </a:prstGeom>
+          <a:noFill/>
+        </p:spPr>
+        <p:txBody>
+          <a:bodyPr wrap="square" rtlCol="0">
+            <a:spAutoFit/>
+          </a:bodyPr>
+          <a:lstStyle/>
+          <a:p>
+            <a:r>
+              <a:rPr lang="de-DE" sz="1200" dirty="0">
+                <a:latin typeface="Arial" panose="020B0604020202020204" pitchFamily="34" charset="0"/>
+                <a:cs typeface="Arial" panose="020B0604020202020204" pitchFamily="34" charset="0"/>
+              </a:rPr>
+              <a:t>Quelle: eigene Darstellung</a:t>
+            </a:r>
+          </a:p>
+        </p:txBody>
+      </p:sp>
+      <p:sp>
+        <p:nvSpPr>
+          <p:cNvPr id="27" name="Rechteck 26">
+            <a:extLst>
+              <a:ext uri="{FF2B5EF4-FFF2-40B4-BE49-F238E27FC236}">
+                <a16:creationId xmlns:a16="http://schemas.microsoft.com/office/drawing/2014/main" id="{9F652844-BCD8-42CF-BEFD-79A83E62E6D2}"/>
+              </a:ext>
+            </a:extLst>
+          </p:cNvPr>
+          <p:cNvSpPr/>
+          <p:nvPr/>
+        </p:nvSpPr>
+        <p:spPr>
+          <a:xfrm>
+            <a:off x="8114897" y="3445847"/>
+            <a:ext cx="2252313" cy="257474"/>
+          </a:xfrm>
+          <a:prstGeom prst="rect">
+            <a:avLst/>
+          </a:prstGeom>
+        </p:spPr>
+        <p:style>
+          <a:lnRef idx="3">
+            <a:schemeClr val="lt1"/>
+          </a:lnRef>
+          <a:fillRef idx="1">
+            <a:schemeClr val="accent4"/>
+          </a:fillRef>
+          <a:effectRef idx="1">
+            <a:schemeClr val="accent4"/>
+          </a:effectRef>
+          <a:fontRef idx="minor">
+            <a:schemeClr val="lt1"/>
+          </a:fontRef>
+        </p:style>
+        <p:txBody>
+          <a:bodyPr rtlCol="0" anchor="ctr"/>
+          <a:lstStyle/>
+          <a:p>
+            <a:pPr algn="ctr"/>
+            <a:r>
+              <a:rPr lang="de-DE" sz="1400" dirty="0">
+                <a:latin typeface="Arial" panose="020B0604020202020204" pitchFamily="34" charset="0"/>
+                <a:cs typeface="Arial" panose="020B0604020202020204" pitchFamily="34" charset="0"/>
+              </a:rPr>
+              <a:t>8vance Profile</a:t>
+            </a:r>
+          </a:p>
+        </p:txBody>
+      </p:sp>
+    </p:spTree>
+    <p:extLst>
+      <p:ext uri="{BB962C8B-B14F-4D97-AF65-F5344CB8AC3E}">
+        <p14:creationId xmlns:p14="http://schemas.microsoft.com/office/powerpoint/2010/main" val="2364403743"/>
       </p:ext>
     </p:extLst>
   </p:cSld>

--- a/8vance.pptx
+++ b/8vance.pptx
@@ -277,7 +277,7 @@
           <a:p>
             <a:fld id="{F60B625B-07BC-4D1D-8392-43F677406593}" type="datetimeFigureOut">
               <a:rPr lang="de-DE" smtClean="0"/>
-              <a:t>27.10.2017</a:t>
+              <a:t>02.11.2017</a:t>
             </a:fld>
             <a:endParaRPr lang="de-DE"/>
           </a:p>
@@ -475,7 +475,7 @@
           <a:p>
             <a:fld id="{F60B625B-07BC-4D1D-8392-43F677406593}" type="datetimeFigureOut">
               <a:rPr lang="de-DE" smtClean="0"/>
-              <a:t>27.10.2017</a:t>
+              <a:t>02.11.2017</a:t>
             </a:fld>
             <a:endParaRPr lang="de-DE"/>
           </a:p>
@@ -683,7 +683,7 @@
           <a:p>
             <a:fld id="{F60B625B-07BC-4D1D-8392-43F677406593}" type="datetimeFigureOut">
               <a:rPr lang="de-DE" smtClean="0"/>
-              <a:t>27.10.2017</a:t>
+              <a:t>02.11.2017</a:t>
             </a:fld>
             <a:endParaRPr lang="de-DE"/>
           </a:p>
@@ -881,7 +881,7 @@
           <a:p>
             <a:fld id="{F60B625B-07BC-4D1D-8392-43F677406593}" type="datetimeFigureOut">
               <a:rPr lang="de-DE" smtClean="0"/>
-              <a:t>27.10.2017</a:t>
+              <a:t>02.11.2017</a:t>
             </a:fld>
             <a:endParaRPr lang="de-DE"/>
           </a:p>
@@ -1156,7 +1156,7 @@
           <a:p>
             <a:fld id="{F60B625B-07BC-4D1D-8392-43F677406593}" type="datetimeFigureOut">
               <a:rPr lang="de-DE" smtClean="0"/>
-              <a:t>27.10.2017</a:t>
+              <a:t>02.11.2017</a:t>
             </a:fld>
             <a:endParaRPr lang="de-DE"/>
           </a:p>
@@ -1421,7 +1421,7 @@
           <a:p>
             <a:fld id="{F60B625B-07BC-4D1D-8392-43F677406593}" type="datetimeFigureOut">
               <a:rPr lang="de-DE" smtClean="0"/>
-              <a:t>27.10.2017</a:t>
+              <a:t>02.11.2017</a:t>
             </a:fld>
             <a:endParaRPr lang="de-DE"/>
           </a:p>
@@ -1833,7 +1833,7 @@
           <a:p>
             <a:fld id="{F60B625B-07BC-4D1D-8392-43F677406593}" type="datetimeFigureOut">
               <a:rPr lang="de-DE" smtClean="0"/>
-              <a:t>27.10.2017</a:t>
+              <a:t>02.11.2017</a:t>
             </a:fld>
             <a:endParaRPr lang="de-DE"/>
           </a:p>
@@ -1974,7 +1974,7 @@
           <a:p>
             <a:fld id="{F60B625B-07BC-4D1D-8392-43F677406593}" type="datetimeFigureOut">
               <a:rPr lang="de-DE" smtClean="0"/>
-              <a:t>27.10.2017</a:t>
+              <a:t>02.11.2017</a:t>
             </a:fld>
             <a:endParaRPr lang="de-DE"/>
           </a:p>
@@ -2087,7 +2087,7 @@
           <a:p>
             <a:fld id="{F60B625B-07BC-4D1D-8392-43F677406593}" type="datetimeFigureOut">
               <a:rPr lang="de-DE" smtClean="0"/>
-              <a:t>27.10.2017</a:t>
+              <a:t>02.11.2017</a:t>
             </a:fld>
             <a:endParaRPr lang="de-DE"/>
           </a:p>
@@ -2398,7 +2398,7 @@
           <a:p>
             <a:fld id="{F60B625B-07BC-4D1D-8392-43F677406593}" type="datetimeFigureOut">
               <a:rPr lang="de-DE" smtClean="0"/>
-              <a:t>27.10.2017</a:t>
+              <a:t>02.11.2017</a:t>
             </a:fld>
             <a:endParaRPr lang="de-DE"/>
           </a:p>
@@ -2686,7 +2686,7 @@
           <a:p>
             <a:fld id="{F60B625B-07BC-4D1D-8392-43F677406593}" type="datetimeFigureOut">
               <a:rPr lang="de-DE" smtClean="0"/>
-              <a:t>27.10.2017</a:t>
+              <a:t>02.11.2017</a:t>
             </a:fld>
             <a:endParaRPr lang="de-DE"/>
           </a:p>
@@ -2927,7 +2927,7 @@
           <a:p>
             <a:fld id="{F60B625B-07BC-4D1D-8392-43F677406593}" type="datetimeFigureOut">
               <a:rPr lang="de-DE" smtClean="0"/>
-              <a:t>27.10.2017</a:t>
+              <a:t>02.11.2017</a:t>
             </a:fld>
             <a:endParaRPr lang="de-DE"/>
           </a:p>
@@ -4563,6 +4563,31 @@
           <a:bodyPr/>
           <a:lstStyle/>
           <a:p>
+            <a:r>
+              <a:rPr lang="de-DE" dirty="0">
+                <a:latin typeface="Arial" panose="020B0604020202020204" pitchFamily="34" charset="0"/>
+                <a:cs typeface="Arial" panose="020B0604020202020204" pitchFamily="34" charset="0"/>
+              </a:rPr>
+              <a:t>Kosten</a:t>
+            </a:r>
+          </a:p>
+          <a:p>
+            <a:r>
+              <a:rPr lang="de-DE" dirty="0">
+                <a:latin typeface="Arial" panose="020B0604020202020204" pitchFamily="34" charset="0"/>
+                <a:cs typeface="Arial" panose="020B0604020202020204" pitchFamily="34" charset="0"/>
+              </a:rPr>
+              <a:t>Erfolg</a:t>
+            </a:r>
+          </a:p>
+          <a:p>
+            <a:r>
+              <a:rPr lang="de-DE">
+                <a:latin typeface="Arial" panose="020B0604020202020204" pitchFamily="34" charset="0"/>
+                <a:cs typeface="Arial" panose="020B0604020202020204" pitchFamily="34" charset="0"/>
+              </a:rPr>
+              <a:t>Zeitaufwand</a:t>
+            </a:r>
             <a:endParaRPr lang="de-DE" dirty="0">
               <a:latin typeface="Arial" panose="020B0604020202020204" pitchFamily="34" charset="0"/>
               <a:cs typeface="Arial" panose="020B0604020202020204" pitchFamily="34" charset="0"/>
